--- a/pycon-india-2020-keynote.pptx
+++ b/pycon-india-2020-keynote.pptx
@@ -5,7 +5,7 @@
     <p:sldMasterId id="2147483648" r:id="rId1"/>
   </p:sldMasterIdLst>
   <p:notesMasterIdLst>
-    <p:notesMasterId r:id="rId29"/>
+    <p:notesMasterId r:id="rId30"/>
   </p:notesMasterIdLst>
   <p:sldIdLst>
     <p:sldId id="309" r:id="rId2"/>
@@ -15,26 +15,27 @@
     <p:sldId id="939" r:id="rId6"/>
     <p:sldId id="936" r:id="rId7"/>
     <p:sldId id="955" r:id="rId8"/>
-    <p:sldId id="928" r:id="rId9"/>
-    <p:sldId id="930" r:id="rId10"/>
-    <p:sldId id="933" r:id="rId11"/>
-    <p:sldId id="940" r:id="rId12"/>
-    <p:sldId id="941" r:id="rId13"/>
-    <p:sldId id="942" r:id="rId14"/>
-    <p:sldId id="943" r:id="rId15"/>
-    <p:sldId id="952" r:id="rId16"/>
-    <p:sldId id="931" r:id="rId17"/>
-    <p:sldId id="945" r:id="rId18"/>
-    <p:sldId id="946" r:id="rId19"/>
-    <p:sldId id="934" r:id="rId20"/>
-    <p:sldId id="949" r:id="rId21"/>
-    <p:sldId id="932" r:id="rId22"/>
-    <p:sldId id="947" r:id="rId23"/>
-    <p:sldId id="954" r:id="rId24"/>
-    <p:sldId id="957" r:id="rId25"/>
-    <p:sldId id="958" r:id="rId26"/>
-    <p:sldId id="959" r:id="rId27"/>
-    <p:sldId id="960" r:id="rId28"/>
+    <p:sldId id="961" r:id="rId9"/>
+    <p:sldId id="928" r:id="rId10"/>
+    <p:sldId id="930" r:id="rId11"/>
+    <p:sldId id="933" r:id="rId12"/>
+    <p:sldId id="940" r:id="rId13"/>
+    <p:sldId id="941" r:id="rId14"/>
+    <p:sldId id="942" r:id="rId15"/>
+    <p:sldId id="943" r:id="rId16"/>
+    <p:sldId id="952" r:id="rId17"/>
+    <p:sldId id="931" r:id="rId18"/>
+    <p:sldId id="945" r:id="rId19"/>
+    <p:sldId id="946" r:id="rId20"/>
+    <p:sldId id="934" r:id="rId21"/>
+    <p:sldId id="949" r:id="rId22"/>
+    <p:sldId id="932" r:id="rId23"/>
+    <p:sldId id="947" r:id="rId24"/>
+    <p:sldId id="954" r:id="rId25"/>
+    <p:sldId id="957" r:id="rId26"/>
+    <p:sldId id="958" r:id="rId27"/>
+    <p:sldId id="959" r:id="rId28"/>
+    <p:sldId id="960" r:id="rId29"/>
   </p:sldIdLst>
   <p:sldSz cx="12192000" cy="6858000"/>
   <p:notesSz cx="6858000" cy="9144000"/>
@@ -10015,113 +10016,6 @@
           </a:p>
         </p:txBody>
       </p:sp>
-      <p:sp>
-        <p:nvSpPr>
-          <p:cNvPr id="2" name="TextBox 1">
-            <a:extLst>
-              <a:ext uri="{FF2B5EF4-FFF2-40B4-BE49-F238E27FC236}">
-                <a16:creationId xmlns:a16="http://schemas.microsoft.com/office/drawing/2014/main" id="{D81C2DCF-587A-40EE-AD7A-134E9E16BC1E}"/>
-              </a:ext>
-            </a:extLst>
-          </p:cNvPr>
-          <p:cNvSpPr txBox="1"/>
-          <p:nvPr/>
-        </p:nvSpPr>
-        <p:spPr>
-          <a:xfrm>
-            <a:off x="288736" y="5257800"/>
-            <a:ext cx="6950264" cy="954107"/>
-          </a:xfrm>
-          <a:prstGeom prst="rect">
-            <a:avLst/>
-          </a:prstGeom>
-          <a:noFill/>
-        </p:spPr>
-        <p:txBody>
-          <a:bodyPr wrap="square" rtlCol="0">
-            <a:spAutoFit/>
-          </a:bodyPr>
-          <a:lstStyle/>
-          <a:p>
-            <a:r>
-              <a:rPr lang="en-US" sz="2800" b="1" dirty="0">
-                <a:solidFill>
-                  <a:srgbClr val="D4D4D4"/>
-                </a:solidFill>
-                <a:effectLst/>
-                <a:latin typeface="Inconsolata" panose="00000509000000000000" pitchFamily="49" charset="0"/>
-              </a:rPr>
-              <a:t>github</a:t>
-            </a:r>
-            <a:r>
-              <a:rPr lang="en-US" sz="2800" b="0" dirty="0">
-                <a:solidFill>
-                  <a:srgbClr val="D4D4D4"/>
-                </a:solidFill>
-                <a:effectLst/>
-                <a:latin typeface="Inconsolata" panose="00000509000000000000" pitchFamily="49" charset="0"/>
-              </a:rPr>
-              <a:t>.com/</a:t>
-            </a:r>
-            <a:r>
-              <a:rPr lang="en-US" sz="2800" b="0" dirty="0">
-                <a:solidFill>
-                  <a:schemeClr val="accent6"/>
-                </a:solidFill>
-                <a:effectLst/>
-                <a:latin typeface="Inconsolata" panose="00000509000000000000" pitchFamily="49" charset="0"/>
-              </a:rPr>
-              <a:t>sanand0</a:t>
-            </a:r>
-            <a:r>
-              <a:rPr lang="en-US" sz="2800" b="0" dirty="0">
-                <a:solidFill>
-                  <a:srgbClr val="D4D4D4"/>
-                </a:solidFill>
-                <a:effectLst/>
-                <a:latin typeface="Inconsolata" panose="00000509000000000000" pitchFamily="49" charset="0"/>
-              </a:rPr>
-              <a:t>/pyconindia2020</a:t>
-            </a:r>
-          </a:p>
-          <a:p>
-            <a:r>
-              <a:rPr lang="en-US" sz="2800" b="1" dirty="0">
-                <a:solidFill>
-                  <a:srgbClr val="D4D4D4"/>
-                </a:solidFill>
-                <a:latin typeface="Inconsolata" panose="00000509000000000000" pitchFamily="49" charset="0"/>
-              </a:rPr>
-              <a:t>twitter</a:t>
-            </a:r>
-            <a:r>
-              <a:rPr lang="en-US" sz="2800" dirty="0">
-                <a:solidFill>
-                  <a:srgbClr val="D4D4D4"/>
-                </a:solidFill>
-                <a:latin typeface="Inconsolata" panose="00000509000000000000" pitchFamily="49" charset="0"/>
-              </a:rPr>
-              <a:t>.com/</a:t>
-            </a:r>
-            <a:r>
-              <a:rPr lang="en-US" sz="2800" dirty="0">
-                <a:solidFill>
-                  <a:schemeClr val="accent6"/>
-                </a:solidFill>
-                <a:latin typeface="Inconsolata" panose="00000509000000000000" pitchFamily="49" charset="0"/>
-              </a:rPr>
-              <a:t>sanand0</a:t>
-            </a:r>
-            <a:endParaRPr lang="en-US" sz="2800" b="0" dirty="0">
-              <a:solidFill>
-                <a:schemeClr val="accent6"/>
-              </a:solidFill>
-              <a:effectLst/>
-              <a:latin typeface="Inconsolata" panose="00000509000000000000" pitchFamily="49" charset="0"/>
-            </a:endParaRPr>
-          </a:p>
-        </p:txBody>
-      </p:sp>
     </p:spTree>
     <p:extLst>
       <p:ext uri="{BB962C8B-B14F-4D97-AF65-F5344CB8AC3E}">
@@ -10132,18 +10026,6 @@
   <p:clrMapOvr>
     <a:masterClrMapping/>
   </p:clrMapOvr>
-  <mc:AlternateContent xmlns:mc="http://schemas.openxmlformats.org/markup-compatibility/2006" xmlns:p14="http://schemas.microsoft.com/office/powerpoint/2010/main">
-    <mc:Choice Requires="p14">
-      <p:transition p14:dur="300">
-        <p14:pan/>
-      </p:transition>
-    </mc:Choice>
-    <mc:Fallback xmlns="">
-      <p:transition>
-        <p:fade/>
-      </p:transition>
-    </mc:Fallback>
-  </mc:AlternateContent>
 </p:sld>
 </file>
 
@@ -10222,6 +10104,533 @@
               <a:rPr lang="en-US" smtClean="0"/>
               <a:pPr/>
               <a:t>10</a:t>
+            </a:fld>
+            <a:endParaRPr lang="en-US" dirty="0"/>
+          </a:p>
+        </p:txBody>
+      </p:sp>
+      <p:sp>
+        <p:nvSpPr>
+          <p:cNvPr id="3" name="Text Placeholder 2">
+            <a:extLst>
+              <a:ext uri="{FF2B5EF4-FFF2-40B4-BE49-F238E27FC236}">
+                <a16:creationId xmlns:a16="http://schemas.microsoft.com/office/drawing/2014/main" id="{1C1C79B4-D83C-41F3-8837-0118F33BE03C}"/>
+              </a:ext>
+            </a:extLst>
+          </p:cNvPr>
+          <p:cNvSpPr>
+            <a:spLocks noGrp="1"/>
+          </p:cNvSpPr>
+          <p:nvPr>
+            <p:ph type="body" sz="quarter" idx="20"/>
+          </p:nvPr>
+        </p:nvSpPr>
+        <p:spPr/>
+        <p:txBody>
+          <a:bodyPr/>
+          <a:lstStyle/>
+          <a:p>
+            <a:endParaRPr lang="en-US" dirty="0"/>
+          </a:p>
+        </p:txBody>
+      </p:sp>
+      <p:sp>
+        <p:nvSpPr>
+          <p:cNvPr id="2" name="Text Placeholder 1">
+            <a:extLst>
+              <a:ext uri="{FF2B5EF4-FFF2-40B4-BE49-F238E27FC236}">
+                <a16:creationId xmlns:a16="http://schemas.microsoft.com/office/drawing/2014/main" id="{C1E78DB8-E7CA-488D-9764-0CAE03E3FE48}"/>
+              </a:ext>
+            </a:extLst>
+          </p:cNvPr>
+          <p:cNvSpPr>
+            <a:spLocks noGrp="1"/>
+          </p:cNvSpPr>
+          <p:nvPr>
+            <p:ph type="body" sz="quarter" idx="16"/>
+          </p:nvPr>
+        </p:nvSpPr>
+        <p:spPr>
+          <a:xfrm>
+            <a:off x="1524000" y="6168173"/>
+            <a:ext cx="9144000" cy="432792"/>
+          </a:xfrm>
+        </p:spPr>
+        <p:txBody>
+          <a:bodyPr/>
+          <a:lstStyle/>
+          <a:p>
+            <a:r>
+              <a:rPr lang="en-US" dirty="0"/>
+              <a:t>Remember “</a:t>
+            </a:r>
+            <a:r>
+              <a:rPr lang="en-US" u="sng" dirty="0"/>
+              <a:t>PURP</a:t>
+            </a:r>
+            <a:r>
+              <a:rPr lang="en-US" b="0" dirty="0"/>
+              <a:t>LE</a:t>
+            </a:r>
+            <a:r>
+              <a:rPr lang="en-US" dirty="0"/>
+              <a:t>”</a:t>
+            </a:r>
+          </a:p>
+        </p:txBody>
+      </p:sp>
+      <p:sp>
+        <p:nvSpPr>
+          <p:cNvPr id="5" name="Rectangle 4">
+            <a:extLst>
+              <a:ext uri="{FF2B5EF4-FFF2-40B4-BE49-F238E27FC236}">
+                <a16:creationId xmlns:a16="http://schemas.microsoft.com/office/drawing/2014/main" id="{A14E968A-9907-452F-B626-8DEA3219A419}"/>
+              </a:ext>
+            </a:extLst>
+          </p:cNvPr>
+          <p:cNvSpPr/>
+          <p:nvPr/>
+        </p:nvSpPr>
+        <p:spPr>
+          <a:xfrm>
+            <a:off x="243840" y="1143000"/>
+            <a:ext cx="3657600" cy="685800"/>
+          </a:xfrm>
+          <a:prstGeom prst="rect">
+            <a:avLst/>
+          </a:prstGeom>
+          <a:solidFill>
+            <a:schemeClr val="accent4"/>
+          </a:solidFill>
+        </p:spPr>
+        <p:style>
+          <a:lnRef idx="3">
+            <a:schemeClr val="lt1"/>
+          </a:lnRef>
+          <a:fillRef idx="1">
+            <a:schemeClr val="accent1"/>
+          </a:fillRef>
+          <a:effectRef idx="1">
+            <a:schemeClr val="accent1"/>
+          </a:effectRef>
+          <a:fontRef idx="minor">
+            <a:schemeClr val="lt1"/>
+          </a:fontRef>
+        </p:style>
+        <p:txBody>
+          <a:bodyPr rtlCol="0" anchor="ctr"/>
+          <a:lstStyle/>
+          <a:p>
+            <a:r>
+              <a:rPr lang="en-US" sz="2800" b="1" dirty="0"/>
+              <a:t>P</a:t>
+            </a:r>
+            <a:r>
+              <a:rPr lang="en-US" sz="2800" dirty="0"/>
+              <a:t>rioritize</a:t>
+            </a:r>
+          </a:p>
+        </p:txBody>
+      </p:sp>
+      <p:sp>
+        <p:nvSpPr>
+          <p:cNvPr id="8" name="TextBox 7">
+            <a:extLst>
+              <a:ext uri="{FF2B5EF4-FFF2-40B4-BE49-F238E27FC236}">
+                <a16:creationId xmlns:a16="http://schemas.microsoft.com/office/drawing/2014/main" id="{04D0623C-9950-475A-96DB-659AE8CB554B}"/>
+              </a:ext>
+            </a:extLst>
+          </p:cNvPr>
+          <p:cNvSpPr txBox="1"/>
+          <p:nvPr/>
+        </p:nvSpPr>
+        <p:spPr>
+          <a:xfrm>
+            <a:off x="243840" y="1807466"/>
+            <a:ext cx="3657600" cy="369332"/>
+          </a:xfrm>
+          <a:prstGeom prst="rect">
+            <a:avLst/>
+          </a:prstGeom>
+          <a:noFill/>
+        </p:spPr>
+        <p:txBody>
+          <a:bodyPr wrap="square">
+            <a:spAutoFit/>
+          </a:bodyPr>
+          <a:lstStyle/>
+          <a:p>
+            <a:r>
+              <a:rPr lang="en-US" dirty="0"/>
+              <a:t>Show most important things first</a:t>
+            </a:r>
+          </a:p>
+        </p:txBody>
+      </p:sp>
+      <p:sp>
+        <p:nvSpPr>
+          <p:cNvPr id="9" name="Rectangle 8">
+            <a:extLst>
+              <a:ext uri="{FF2B5EF4-FFF2-40B4-BE49-F238E27FC236}">
+                <a16:creationId xmlns:a16="http://schemas.microsoft.com/office/drawing/2014/main" id="{2D87941B-8D18-4AA9-9E35-D821770B1498}"/>
+              </a:ext>
+            </a:extLst>
+          </p:cNvPr>
+          <p:cNvSpPr/>
+          <p:nvPr/>
+        </p:nvSpPr>
+        <p:spPr>
+          <a:xfrm>
+            <a:off x="243840" y="2381187"/>
+            <a:ext cx="3657600" cy="685800"/>
+          </a:xfrm>
+          <a:prstGeom prst="rect">
+            <a:avLst/>
+          </a:prstGeom>
+          <a:solidFill>
+            <a:schemeClr val="accent4"/>
+          </a:solidFill>
+        </p:spPr>
+        <p:style>
+          <a:lnRef idx="3">
+            <a:schemeClr val="lt1"/>
+          </a:lnRef>
+          <a:fillRef idx="1">
+            <a:schemeClr val="accent1"/>
+          </a:fillRef>
+          <a:effectRef idx="1">
+            <a:schemeClr val="accent1"/>
+          </a:effectRef>
+          <a:fontRef idx="minor">
+            <a:schemeClr val="lt1"/>
+          </a:fontRef>
+        </p:style>
+        <p:txBody>
+          <a:bodyPr rtlCol="0" anchor="ctr"/>
+          <a:lstStyle/>
+          <a:p>
+            <a:r>
+              <a:rPr lang="en-US" sz="2800" b="1" dirty="0"/>
+              <a:t>U</a:t>
+            </a:r>
+            <a:r>
+              <a:rPr lang="en-US" sz="2800" dirty="0"/>
+              <a:t>pdate users</a:t>
+            </a:r>
+          </a:p>
+        </p:txBody>
+      </p:sp>
+      <p:sp>
+        <p:nvSpPr>
+          <p:cNvPr id="10" name="TextBox 9">
+            <a:extLst>
+              <a:ext uri="{FF2B5EF4-FFF2-40B4-BE49-F238E27FC236}">
+                <a16:creationId xmlns:a16="http://schemas.microsoft.com/office/drawing/2014/main" id="{7015E785-D9B1-45CF-BE0B-D52E057555C4}"/>
+              </a:ext>
+            </a:extLst>
+          </p:cNvPr>
+          <p:cNvSpPr txBox="1"/>
+          <p:nvPr/>
+        </p:nvSpPr>
+        <p:spPr>
+          <a:xfrm>
+            <a:off x="243840" y="3036071"/>
+            <a:ext cx="3657600" cy="369332"/>
+          </a:xfrm>
+          <a:prstGeom prst="rect">
+            <a:avLst/>
+          </a:prstGeom>
+          <a:noFill/>
+        </p:spPr>
+        <p:txBody>
+          <a:bodyPr wrap="square">
+            <a:spAutoFit/>
+          </a:bodyPr>
+          <a:lstStyle/>
+          <a:p>
+            <a:r>
+              <a:rPr lang="en-US" dirty="0"/>
+              <a:t>Show progress</a:t>
+            </a:r>
+          </a:p>
+        </p:txBody>
+      </p:sp>
+      <p:sp>
+        <p:nvSpPr>
+          <p:cNvPr id="12" name="Rectangle 11">
+            <a:extLst>
+              <a:ext uri="{FF2B5EF4-FFF2-40B4-BE49-F238E27FC236}">
+                <a16:creationId xmlns:a16="http://schemas.microsoft.com/office/drawing/2014/main" id="{6DA3C799-7CAA-4D9F-B5A5-42D50E440267}"/>
+              </a:ext>
+            </a:extLst>
+          </p:cNvPr>
+          <p:cNvSpPr/>
+          <p:nvPr/>
+        </p:nvSpPr>
+        <p:spPr>
+          <a:xfrm>
+            <a:off x="243840" y="3609792"/>
+            <a:ext cx="3657600" cy="685800"/>
+          </a:xfrm>
+          <a:prstGeom prst="rect">
+            <a:avLst/>
+          </a:prstGeom>
+          <a:solidFill>
+            <a:schemeClr val="accent4"/>
+          </a:solidFill>
+        </p:spPr>
+        <p:style>
+          <a:lnRef idx="3">
+            <a:schemeClr val="lt1"/>
+          </a:lnRef>
+          <a:fillRef idx="1">
+            <a:schemeClr val="accent1"/>
+          </a:fillRef>
+          <a:effectRef idx="1">
+            <a:schemeClr val="accent1"/>
+          </a:effectRef>
+          <a:fontRef idx="minor">
+            <a:schemeClr val="lt1"/>
+          </a:fontRef>
+        </p:style>
+        <p:txBody>
+          <a:bodyPr rtlCol="0" anchor="ctr"/>
+          <a:lstStyle/>
+          <a:p>
+            <a:r>
+              <a:rPr lang="en-US" sz="2800" b="1" dirty="0"/>
+              <a:t>R</a:t>
+            </a:r>
+            <a:r>
+              <a:rPr lang="en-US" sz="2800" dirty="0"/>
+              <a:t>ecover from errors</a:t>
+            </a:r>
+          </a:p>
+        </p:txBody>
+      </p:sp>
+      <p:sp>
+        <p:nvSpPr>
+          <p:cNvPr id="13" name="TextBox 12">
+            <a:extLst>
+              <a:ext uri="{FF2B5EF4-FFF2-40B4-BE49-F238E27FC236}">
+                <a16:creationId xmlns:a16="http://schemas.microsoft.com/office/drawing/2014/main" id="{1A6E0028-5550-44AD-9127-9F6B1C34A019}"/>
+              </a:ext>
+            </a:extLst>
+          </p:cNvPr>
+          <p:cNvSpPr txBox="1"/>
+          <p:nvPr/>
+        </p:nvSpPr>
+        <p:spPr>
+          <a:xfrm>
+            <a:off x="243840" y="4267121"/>
+            <a:ext cx="3657600" cy="369332"/>
+          </a:xfrm>
+          <a:prstGeom prst="rect">
+            <a:avLst/>
+          </a:prstGeom>
+          <a:noFill/>
+        </p:spPr>
+        <p:txBody>
+          <a:bodyPr wrap="square">
+            <a:spAutoFit/>
+          </a:bodyPr>
+          <a:lstStyle/>
+          <a:p>
+            <a:r>
+              <a:rPr lang="en-US" dirty="0"/>
+              <a:t>Continue from where they left off</a:t>
+            </a:r>
+          </a:p>
+        </p:txBody>
+      </p:sp>
+      <p:sp>
+        <p:nvSpPr>
+          <p:cNvPr id="16" name="Rectangle 15">
+            <a:extLst>
+              <a:ext uri="{FF2B5EF4-FFF2-40B4-BE49-F238E27FC236}">
+                <a16:creationId xmlns:a16="http://schemas.microsoft.com/office/drawing/2014/main" id="{B9F9503A-5ED8-43F1-AAF5-C88A187C8B7C}"/>
+              </a:ext>
+            </a:extLst>
+          </p:cNvPr>
+          <p:cNvSpPr/>
+          <p:nvPr/>
+        </p:nvSpPr>
+        <p:spPr>
+          <a:xfrm>
+            <a:off x="243840" y="4840843"/>
+            <a:ext cx="3657600" cy="685800"/>
+          </a:xfrm>
+          <a:prstGeom prst="rect">
+            <a:avLst/>
+          </a:prstGeom>
+          <a:solidFill>
+            <a:schemeClr val="accent4"/>
+          </a:solidFill>
+        </p:spPr>
+        <p:style>
+          <a:lnRef idx="3">
+            <a:schemeClr val="lt1"/>
+          </a:lnRef>
+          <a:fillRef idx="1">
+            <a:schemeClr val="accent1"/>
+          </a:fillRef>
+          <a:effectRef idx="1">
+            <a:schemeClr val="accent1"/>
+          </a:effectRef>
+          <a:fontRef idx="minor">
+            <a:schemeClr val="lt1"/>
+          </a:fontRef>
+        </p:style>
+        <p:txBody>
+          <a:bodyPr rtlCol="0" anchor="ctr"/>
+          <a:lstStyle/>
+          <a:p>
+            <a:r>
+              <a:rPr lang="en-US" sz="2800" b="1" dirty="0"/>
+              <a:t>P</a:t>
+            </a:r>
+            <a:r>
+              <a:rPr lang="en-US" sz="2800" dirty="0"/>
+              <a:t>re-compute</a:t>
+            </a:r>
+          </a:p>
+        </p:txBody>
+      </p:sp>
+      <p:sp>
+        <p:nvSpPr>
+          <p:cNvPr id="17" name="TextBox 16">
+            <a:extLst>
+              <a:ext uri="{FF2B5EF4-FFF2-40B4-BE49-F238E27FC236}">
+                <a16:creationId xmlns:a16="http://schemas.microsoft.com/office/drawing/2014/main" id="{1BCB68C5-AD42-4DAF-BD10-36E46643B549}"/>
+              </a:ext>
+            </a:extLst>
+          </p:cNvPr>
+          <p:cNvSpPr txBox="1"/>
+          <p:nvPr/>
+        </p:nvSpPr>
+        <p:spPr>
+          <a:xfrm>
+            <a:off x="243840" y="5526643"/>
+            <a:ext cx="3657600" cy="369332"/>
+          </a:xfrm>
+          <a:prstGeom prst="rect">
+            <a:avLst/>
+          </a:prstGeom>
+          <a:noFill/>
+        </p:spPr>
+        <p:txBody>
+          <a:bodyPr wrap="square">
+            <a:spAutoFit/>
+          </a:bodyPr>
+          <a:lstStyle/>
+          <a:p>
+            <a:r>
+              <a:rPr lang="en-US" dirty="0"/>
+              <a:t>Calculate common things upfront</a:t>
+            </a:r>
+          </a:p>
+        </p:txBody>
+      </p:sp>
+    </p:spTree>
+    <p:extLst>
+      <p:ext uri="{BB962C8B-B14F-4D97-AF65-F5344CB8AC3E}">
+        <p14:creationId xmlns:p14="http://schemas.microsoft.com/office/powerpoint/2010/main" val="3780889381"/>
+      </p:ext>
+    </p:extLst>
+  </p:cSld>
+  <p:clrMapOvr>
+    <a:masterClrMapping/>
+  </p:clrMapOvr>
+  <mc:AlternateContent xmlns:mc="http://schemas.openxmlformats.org/markup-compatibility/2006" xmlns:p159="http://schemas.microsoft.com/office/powerpoint/2015/09/main">
+    <mc:Choice Requires="p159">
+      <p:transition spd="slow">
+        <p159:morph option="byObject"/>
+      </p:transition>
+    </mc:Choice>
+    <mc:Fallback xmlns="">
+      <p:transition spd="slow">
+        <p:fade/>
+      </p:transition>
+    </mc:Fallback>
+  </mc:AlternateContent>
+</p:sld>
+</file>
+
+<file path=ppt/slides/slide11.xml><?xml version="1.0" encoding="utf-8"?>
+<p:sld xmlns:a="http://schemas.openxmlformats.org/drawingml/2006/main" xmlns:r="http://schemas.openxmlformats.org/officeDocument/2006/relationships" xmlns:p="http://schemas.openxmlformats.org/presentationml/2006/main">
+  <p:cSld>
+    <p:spTree>
+      <p:nvGrpSpPr>
+        <p:cNvPr id="1" name=""/>
+        <p:cNvGrpSpPr/>
+        <p:nvPr/>
+      </p:nvGrpSpPr>
+      <p:grpSpPr>
+        <a:xfrm>
+          <a:off x="0" y="0"/>
+          <a:ext cx="0" cy="0"/>
+          <a:chOff x="0" y="0"/>
+          <a:chExt cx="0" cy="0"/>
+        </a:xfrm>
+      </p:grpSpPr>
+      <p:sp>
+        <p:nvSpPr>
+          <p:cNvPr id="6" name="Title 5">
+            <a:extLst>
+              <a:ext uri="{FF2B5EF4-FFF2-40B4-BE49-F238E27FC236}">
+                <a16:creationId xmlns:a16="http://schemas.microsoft.com/office/drawing/2014/main" id="{5755AC4B-948D-4B0C-B471-BAB6BD868D1D}"/>
+              </a:ext>
+            </a:extLst>
+          </p:cNvPr>
+          <p:cNvSpPr>
+            <a:spLocks noGrp="1"/>
+          </p:cNvSpPr>
+          <p:nvPr>
+            <p:ph type="title"/>
+          </p:nvPr>
+        </p:nvSpPr>
+        <p:spPr>
+          <a:xfrm>
+            <a:off x="243840" y="109536"/>
+            <a:ext cx="11704320" cy="641352"/>
+          </a:xfrm>
+        </p:spPr>
+        <p:txBody>
+          <a:bodyPr/>
+          <a:lstStyle/>
+          <a:p>
+            <a:r>
+              <a:rPr lang="en-US" dirty="0"/>
+              <a:t>There are four ways you can make your app feel faster without optimizing</a:t>
+            </a:r>
+          </a:p>
+        </p:txBody>
+      </p:sp>
+      <p:sp>
+        <p:nvSpPr>
+          <p:cNvPr id="4" name="Slide Number Placeholder 3">
+            <a:extLst>
+              <a:ext uri="{FF2B5EF4-FFF2-40B4-BE49-F238E27FC236}">
+                <a16:creationId xmlns:a16="http://schemas.microsoft.com/office/drawing/2014/main" id="{49570F6D-8279-44D1-A8E2-1B58441A65AF}"/>
+              </a:ext>
+            </a:extLst>
+          </p:cNvPr>
+          <p:cNvSpPr>
+            <a:spLocks noGrp="1"/>
+          </p:cNvSpPr>
+          <p:nvPr>
+            <p:ph type="sldNum" sz="quarter" idx="19"/>
+          </p:nvPr>
+        </p:nvSpPr>
+        <p:spPr/>
+        <p:txBody>
+          <a:bodyPr/>
+          <a:lstStyle/>
+          <a:p>
+            <a:fld id="{E08A2EAE-61F0-4E80-AF13-6C345B2B49E7}" type="slidenum">
+              <a:rPr lang="en-US" smtClean="0"/>
+              <a:pPr/>
+              <a:t>11</a:t>
             </a:fld>
             <a:endParaRPr lang="en-US" dirty="0"/>
           </a:p>
@@ -11287,7 +11696,7 @@
 </p:sld>
 </file>
 
-<file path=ppt/slides/slide11.xml><?xml version="1.0" encoding="utf-8"?>
+<file path=ppt/slides/slide12.xml><?xml version="1.0" encoding="utf-8"?>
 <p:sld xmlns:a="http://schemas.openxmlformats.org/drawingml/2006/main" xmlns:r="http://schemas.openxmlformats.org/officeDocument/2006/relationships" xmlns:p="http://schemas.openxmlformats.org/presentationml/2006/main">
   <p:cSld>
     <p:spTree>
@@ -11389,7 +11798,7 @@
             <a:fld id="{E08A2EAE-61F0-4E80-AF13-6C345B2B49E7}" type="slidenum">
               <a:rPr lang="en-US" smtClean="0"/>
               <a:pPr/>
-              <a:t>11</a:t>
+              <a:t>12</a:t>
             </a:fld>
             <a:endParaRPr lang="en-US" dirty="0"/>
           </a:p>
@@ -12576,22 +12985,10 @@
   <p:clrMapOvr>
     <a:masterClrMapping/>
   </p:clrMapOvr>
-  <mc:AlternateContent xmlns:mc="http://schemas.openxmlformats.org/markup-compatibility/2006" xmlns:p159="http://schemas.microsoft.com/office/powerpoint/2015/09/main">
-    <mc:Choice Requires="p159">
-      <p:transition xmlns:p14="http://schemas.microsoft.com/office/powerpoint/2010/main" spd="slow" p14:dur="2000">
-        <p159:morph option="byObject"/>
-      </p:transition>
-    </mc:Choice>
-    <mc:Fallback xmlns="">
-      <p:transition spd="slow">
-        <p:fade/>
-      </p:transition>
-    </mc:Fallback>
-  </mc:AlternateContent>
 </p:sld>
 </file>
 
-<file path=ppt/slides/slide12.xml><?xml version="1.0" encoding="utf-8"?>
+<file path=ppt/slides/slide13.xml><?xml version="1.0" encoding="utf-8"?>
 <p:sld xmlns:a="http://schemas.openxmlformats.org/drawingml/2006/main" xmlns:r="http://schemas.openxmlformats.org/officeDocument/2006/relationships" xmlns:p="http://schemas.openxmlformats.org/presentationml/2006/main">
   <p:cSld>
     <p:spTree>
@@ -12693,7 +13090,7 @@
             <a:fld id="{E08A2EAE-61F0-4E80-AF13-6C345B2B49E7}" type="slidenum">
               <a:rPr lang="en-US" smtClean="0"/>
               <a:pPr/>
-              <a:t>12</a:t>
+              <a:t>13</a:t>
             </a:fld>
             <a:endParaRPr lang="en-US" dirty="0"/>
           </a:p>
@@ -14013,22 +14410,10 @@
   <p:clrMapOvr>
     <a:masterClrMapping/>
   </p:clrMapOvr>
-  <mc:AlternateContent xmlns:mc="http://schemas.openxmlformats.org/markup-compatibility/2006" xmlns:p159="http://schemas.microsoft.com/office/powerpoint/2015/09/main">
-    <mc:Choice Requires="p159">
-      <p:transition xmlns:p14="http://schemas.microsoft.com/office/powerpoint/2010/main" spd="slow" p14:dur="2000">
-        <p159:morph option="byObject"/>
-      </p:transition>
-    </mc:Choice>
-    <mc:Fallback xmlns="">
-      <p:transition spd="slow">
-        <p:fade/>
-      </p:transition>
-    </mc:Fallback>
-  </mc:AlternateContent>
 </p:sld>
 </file>
 
-<file path=ppt/slides/slide13.xml><?xml version="1.0" encoding="utf-8"?>
+<file path=ppt/slides/slide14.xml><?xml version="1.0" encoding="utf-8"?>
 <p:sld xmlns:a="http://schemas.openxmlformats.org/drawingml/2006/main" xmlns:r="http://schemas.openxmlformats.org/officeDocument/2006/relationships" xmlns:p="http://schemas.openxmlformats.org/presentationml/2006/main">
   <p:cSld>
     <p:spTree>
@@ -14141,7 +14526,7 @@
             <a:fld id="{E08A2EAE-61F0-4E80-AF13-6C345B2B49E7}" type="slidenum">
               <a:rPr lang="en-US" smtClean="0"/>
               <a:pPr/>
-              <a:t>13</a:t>
+              <a:t>14</a:t>
             </a:fld>
             <a:endParaRPr lang="en-US" dirty="0"/>
           </a:p>
@@ -15247,7 +15632,7 @@
 </p:sld>
 </file>
 
-<file path=ppt/slides/slide14.xml><?xml version="1.0" encoding="utf-8"?>
+<file path=ppt/slides/slide15.xml><?xml version="1.0" encoding="utf-8"?>
 <p:sld xmlns:a="http://schemas.openxmlformats.org/drawingml/2006/main" xmlns:r="http://schemas.openxmlformats.org/officeDocument/2006/relationships" xmlns:p="http://schemas.openxmlformats.org/presentationml/2006/main">
   <p:cSld>
     <p:spTree>
@@ -15358,7 +15743,7 @@
             <a:fld id="{E08A2EAE-61F0-4E80-AF13-6C345B2B49E7}" type="slidenum">
               <a:rPr lang="en-US" smtClean="0"/>
               <a:pPr/>
-              <a:t>14</a:t>
+              <a:t>15</a:t>
             </a:fld>
             <a:endParaRPr lang="en-US" dirty="0"/>
           </a:p>
@@ -17145,7 +17530,7 @@
 </p:sld>
 </file>
 
-<file path=ppt/slides/slide15.xml><?xml version="1.0" encoding="utf-8"?>
+<file path=ppt/slides/slide16.xml><?xml version="1.0" encoding="utf-8"?>
 <p:sld xmlns:a="http://schemas.openxmlformats.org/drawingml/2006/main" xmlns:r="http://schemas.openxmlformats.org/officeDocument/2006/relationships" xmlns:p="http://schemas.openxmlformats.org/presentationml/2006/main">
   <p:cSld>
     <p:spTree>
@@ -17219,7 +17604,7 @@
             <a:fld id="{E08A2EAE-61F0-4E80-AF13-6C345B2B49E7}" type="slidenum">
               <a:rPr lang="en-US" smtClean="0"/>
               <a:pPr/>
-              <a:t>15</a:t>
+              <a:t>16</a:t>
             </a:fld>
             <a:endParaRPr lang="en-US" dirty="0"/>
           </a:p>
@@ -18574,7 +18959,7 @@
 </p:sld>
 </file>
 
-<file path=ppt/slides/slide16.xml><?xml version="1.0" encoding="utf-8"?>
+<file path=ppt/slides/slide17.xml><?xml version="1.0" encoding="utf-8"?>
 <p:sld xmlns:a="http://schemas.openxmlformats.org/drawingml/2006/main" xmlns:r="http://schemas.openxmlformats.org/officeDocument/2006/relationships" xmlns:p="http://schemas.openxmlformats.org/presentationml/2006/main">
   <p:cSld>
     <p:spTree>
@@ -18648,7 +19033,7 @@
             <a:fld id="{E08A2EAE-61F0-4E80-AF13-6C345B2B49E7}" type="slidenum">
               <a:rPr lang="en-US" smtClean="0"/>
               <a:pPr/>
-              <a:t>16</a:t>
+              <a:t>17</a:t>
             </a:fld>
             <a:endParaRPr lang="en-US" dirty="0"/>
           </a:p>
@@ -19113,22 +19498,10 @@
   <p:clrMapOvr>
     <a:masterClrMapping/>
   </p:clrMapOvr>
-  <mc:AlternateContent xmlns:mc="http://schemas.openxmlformats.org/markup-compatibility/2006" xmlns:p159="http://schemas.microsoft.com/office/powerpoint/2015/09/main">
-    <mc:Choice Requires="p159">
-      <p:transition spd="slow">
-        <p159:morph option="byObject"/>
-      </p:transition>
-    </mc:Choice>
-    <mc:Fallback xmlns="">
-      <p:transition spd="slow">
-        <p:fade/>
-      </p:transition>
-    </mc:Fallback>
-  </mc:AlternateContent>
 </p:sld>
 </file>
 
-<file path=ppt/slides/slide17.xml><?xml version="1.0" encoding="utf-8"?>
+<file path=ppt/slides/slide18.xml><?xml version="1.0" encoding="utf-8"?>
 <p:sld xmlns:a="http://schemas.openxmlformats.org/drawingml/2006/main" xmlns:r="http://schemas.openxmlformats.org/officeDocument/2006/relationships" xmlns:p="http://schemas.openxmlformats.org/presentationml/2006/main">
   <p:cSld>
     <p:spTree>
@@ -19225,7 +19598,7 @@
             <a:fld id="{E08A2EAE-61F0-4E80-AF13-6C345B2B49E7}" type="slidenum">
               <a:rPr lang="en-US" smtClean="0"/>
               <a:pPr/>
-              <a:t>17</a:t>
+              <a:t>18</a:t>
             </a:fld>
             <a:endParaRPr lang="en-US" dirty="0"/>
           </a:p>
@@ -20412,7 +20785,7 @@
         </p:nvSpPr>
         <p:spPr>
           <a:xfrm>
-            <a:off x="130554" y="2087163"/>
+            <a:off x="130554" y="1261145"/>
             <a:ext cx="174246" cy="152400"/>
           </a:xfrm>
           <a:prstGeom prst="homePlate">
@@ -20636,7 +21009,7 @@
 </p:sld>
 </file>
 
-<file path=ppt/slides/slide18.xml><?xml version="1.0" encoding="utf-8"?>
+<file path=ppt/slides/slide19.xml><?xml version="1.0" encoding="utf-8"?>
 <p:sld xmlns:a="http://schemas.openxmlformats.org/drawingml/2006/main" xmlns:r="http://schemas.openxmlformats.org/officeDocument/2006/relationships" xmlns:p="http://schemas.openxmlformats.org/presentationml/2006/main">
   <p:cSld>
     <p:spTree>
@@ -20738,7 +21111,7 @@
             <a:fld id="{E08A2EAE-61F0-4E80-AF13-6C345B2B49E7}" type="slidenum">
               <a:rPr lang="en-US" smtClean="0"/>
               <a:pPr/>
-              <a:t>18</a:t>
+              <a:t>19</a:t>
             </a:fld>
             <a:endParaRPr lang="en-US" dirty="0"/>
           </a:p>
@@ -22768,560 +23141,6 @@
   <p:clrMapOvr>
     <a:masterClrMapping/>
   </p:clrMapOvr>
-</p:sld>
-</file>
-
-<file path=ppt/slides/slide19.xml><?xml version="1.0" encoding="utf-8"?>
-<p:sld xmlns:a="http://schemas.openxmlformats.org/drawingml/2006/main" xmlns:r="http://schemas.openxmlformats.org/officeDocument/2006/relationships" xmlns:p="http://schemas.openxmlformats.org/presentationml/2006/main">
-  <p:cSld>
-    <p:spTree>
-      <p:nvGrpSpPr>
-        <p:cNvPr id="1" name=""/>
-        <p:cNvGrpSpPr/>
-        <p:nvPr/>
-      </p:nvGrpSpPr>
-      <p:grpSpPr>
-        <a:xfrm>
-          <a:off x="0" y="0"/>
-          <a:ext cx="0" cy="0"/>
-          <a:chOff x="0" y="0"/>
-          <a:chExt cx="0" cy="0"/>
-        </a:xfrm>
-      </p:grpSpPr>
-      <p:sp>
-        <p:nvSpPr>
-          <p:cNvPr id="6" name="Title 5">
-            <a:extLst>
-              <a:ext uri="{FF2B5EF4-FFF2-40B4-BE49-F238E27FC236}">
-                <a16:creationId xmlns:a16="http://schemas.microsoft.com/office/drawing/2014/main" id="{5755AC4B-948D-4B0C-B471-BAB6BD868D1D}"/>
-              </a:ext>
-            </a:extLst>
-          </p:cNvPr>
-          <p:cNvSpPr>
-            <a:spLocks noGrp="1"/>
-          </p:cNvSpPr>
-          <p:nvPr>
-            <p:ph type="title"/>
-          </p:nvPr>
-        </p:nvSpPr>
-        <p:spPr>
-          <a:xfrm>
-            <a:off x="243840" y="109536"/>
-            <a:ext cx="11704320" cy="641352"/>
-          </a:xfrm>
-        </p:spPr>
-        <p:txBody>
-          <a:bodyPr/>
-          <a:lstStyle/>
-          <a:p>
-            <a:r>
-              <a:rPr lang="en-US" dirty="0"/>
-              <a:t>There are four ways you can make your app feel faster without optimizing</a:t>
-            </a:r>
-          </a:p>
-        </p:txBody>
-      </p:sp>
-      <p:sp>
-        <p:nvSpPr>
-          <p:cNvPr id="4" name="Slide Number Placeholder 3">
-            <a:extLst>
-              <a:ext uri="{FF2B5EF4-FFF2-40B4-BE49-F238E27FC236}">
-                <a16:creationId xmlns:a16="http://schemas.microsoft.com/office/drawing/2014/main" id="{49570F6D-8279-44D1-A8E2-1B58441A65AF}"/>
-              </a:ext>
-            </a:extLst>
-          </p:cNvPr>
-          <p:cNvSpPr>
-            <a:spLocks noGrp="1"/>
-          </p:cNvSpPr>
-          <p:nvPr>
-            <p:ph type="sldNum" sz="quarter" idx="19"/>
-          </p:nvPr>
-        </p:nvSpPr>
-        <p:spPr/>
-        <p:txBody>
-          <a:bodyPr/>
-          <a:lstStyle/>
-          <a:p>
-            <a:fld id="{E08A2EAE-61F0-4E80-AF13-6C345B2B49E7}" type="slidenum">
-              <a:rPr lang="en-US" smtClean="0"/>
-              <a:pPr/>
-              <a:t>19</a:t>
-            </a:fld>
-            <a:endParaRPr lang="en-US" dirty="0"/>
-          </a:p>
-        </p:txBody>
-      </p:sp>
-      <p:sp>
-        <p:nvSpPr>
-          <p:cNvPr id="3" name="Text Placeholder 2">
-            <a:extLst>
-              <a:ext uri="{FF2B5EF4-FFF2-40B4-BE49-F238E27FC236}">
-                <a16:creationId xmlns:a16="http://schemas.microsoft.com/office/drawing/2014/main" id="{1C1C79B4-D83C-41F3-8837-0118F33BE03C}"/>
-              </a:ext>
-            </a:extLst>
-          </p:cNvPr>
-          <p:cNvSpPr>
-            <a:spLocks noGrp="1"/>
-          </p:cNvSpPr>
-          <p:nvPr>
-            <p:ph type="body" sz="quarter" idx="20"/>
-          </p:nvPr>
-        </p:nvSpPr>
-        <p:spPr/>
-        <p:txBody>
-          <a:bodyPr/>
-          <a:lstStyle/>
-          <a:p>
-            <a:endParaRPr lang="en-US" dirty="0"/>
-          </a:p>
-        </p:txBody>
-      </p:sp>
-      <p:sp>
-        <p:nvSpPr>
-          <p:cNvPr id="2" name="Text Placeholder 1">
-            <a:extLst>
-              <a:ext uri="{FF2B5EF4-FFF2-40B4-BE49-F238E27FC236}">
-                <a16:creationId xmlns:a16="http://schemas.microsoft.com/office/drawing/2014/main" id="{C1E78DB8-E7CA-488D-9764-0CAE03E3FE48}"/>
-              </a:ext>
-            </a:extLst>
-          </p:cNvPr>
-          <p:cNvSpPr>
-            <a:spLocks noGrp="1"/>
-          </p:cNvSpPr>
-          <p:nvPr>
-            <p:ph type="body" sz="quarter" idx="16"/>
-          </p:nvPr>
-        </p:nvSpPr>
-        <p:spPr>
-          <a:xfrm>
-            <a:off x="1524000" y="6168173"/>
-            <a:ext cx="9144000" cy="432792"/>
-          </a:xfrm>
-        </p:spPr>
-        <p:txBody>
-          <a:bodyPr/>
-          <a:lstStyle/>
-          <a:p>
-            <a:r>
-              <a:rPr lang="en-US" dirty="0"/>
-              <a:t>Remember “</a:t>
-            </a:r>
-            <a:r>
-              <a:rPr lang="en-US" u="sng" dirty="0"/>
-              <a:t>PURP</a:t>
-            </a:r>
-            <a:r>
-              <a:rPr lang="en-US" b="0" dirty="0"/>
-              <a:t>LE</a:t>
-            </a:r>
-            <a:r>
-              <a:rPr lang="en-US" dirty="0"/>
-              <a:t>”</a:t>
-            </a:r>
-          </a:p>
-        </p:txBody>
-      </p:sp>
-      <p:sp>
-        <p:nvSpPr>
-          <p:cNvPr id="5" name="Rectangle 4">
-            <a:extLst>
-              <a:ext uri="{FF2B5EF4-FFF2-40B4-BE49-F238E27FC236}">
-                <a16:creationId xmlns:a16="http://schemas.microsoft.com/office/drawing/2014/main" id="{A14E968A-9907-452F-B626-8DEA3219A419}"/>
-              </a:ext>
-            </a:extLst>
-          </p:cNvPr>
-          <p:cNvSpPr/>
-          <p:nvPr/>
-        </p:nvSpPr>
-        <p:spPr>
-          <a:xfrm>
-            <a:off x="243840" y="1143000"/>
-            <a:ext cx="3657600" cy="685800"/>
-          </a:xfrm>
-          <a:prstGeom prst="rect">
-            <a:avLst/>
-          </a:prstGeom>
-          <a:solidFill>
-            <a:schemeClr val="accent4">
-              <a:lumMod val="20000"/>
-              <a:lumOff val="80000"/>
-            </a:schemeClr>
-          </a:solidFill>
-        </p:spPr>
-        <p:style>
-          <a:lnRef idx="3">
-            <a:schemeClr val="lt1"/>
-          </a:lnRef>
-          <a:fillRef idx="1">
-            <a:schemeClr val="accent1"/>
-          </a:fillRef>
-          <a:effectRef idx="1">
-            <a:schemeClr val="accent1"/>
-          </a:effectRef>
-          <a:fontRef idx="minor">
-            <a:schemeClr val="lt1"/>
-          </a:fontRef>
-        </p:style>
-        <p:txBody>
-          <a:bodyPr rtlCol="0" anchor="ctr"/>
-          <a:lstStyle/>
-          <a:p>
-            <a:r>
-              <a:rPr lang="en-US" sz="2800" b="1" dirty="0"/>
-              <a:t>P</a:t>
-            </a:r>
-            <a:r>
-              <a:rPr lang="en-US" sz="2800" dirty="0"/>
-              <a:t>rioritize</a:t>
-            </a:r>
-          </a:p>
-        </p:txBody>
-      </p:sp>
-      <p:sp>
-        <p:nvSpPr>
-          <p:cNvPr id="8" name="TextBox 7">
-            <a:extLst>
-              <a:ext uri="{FF2B5EF4-FFF2-40B4-BE49-F238E27FC236}">
-                <a16:creationId xmlns:a16="http://schemas.microsoft.com/office/drawing/2014/main" id="{04D0623C-9950-475A-96DB-659AE8CB554B}"/>
-              </a:ext>
-            </a:extLst>
-          </p:cNvPr>
-          <p:cNvSpPr txBox="1"/>
-          <p:nvPr/>
-        </p:nvSpPr>
-        <p:spPr>
-          <a:xfrm>
-            <a:off x="243840" y="1807466"/>
-            <a:ext cx="3657600" cy="369332"/>
-          </a:xfrm>
-          <a:prstGeom prst="rect">
-            <a:avLst/>
-          </a:prstGeom>
-          <a:noFill/>
-        </p:spPr>
-        <p:txBody>
-          <a:bodyPr wrap="square">
-            <a:spAutoFit/>
-          </a:bodyPr>
-          <a:lstStyle/>
-          <a:p>
-            <a:r>
-              <a:rPr lang="en-US" dirty="0">
-                <a:solidFill>
-                  <a:schemeClr val="bg1">
-                    <a:lumMod val="75000"/>
-                  </a:schemeClr>
-                </a:solidFill>
-              </a:rPr>
-              <a:t>Show most important things first</a:t>
-            </a:r>
-          </a:p>
-        </p:txBody>
-      </p:sp>
-      <p:sp>
-        <p:nvSpPr>
-          <p:cNvPr id="9" name="Rectangle 8">
-            <a:extLst>
-              <a:ext uri="{FF2B5EF4-FFF2-40B4-BE49-F238E27FC236}">
-                <a16:creationId xmlns:a16="http://schemas.microsoft.com/office/drawing/2014/main" id="{2D87941B-8D18-4AA9-9E35-D821770B1498}"/>
-              </a:ext>
-            </a:extLst>
-          </p:cNvPr>
-          <p:cNvSpPr/>
-          <p:nvPr/>
-        </p:nvSpPr>
-        <p:spPr>
-          <a:xfrm>
-            <a:off x="243840" y="2381187"/>
-            <a:ext cx="3657600" cy="685800"/>
-          </a:xfrm>
-          <a:prstGeom prst="rect">
-            <a:avLst/>
-          </a:prstGeom>
-          <a:solidFill>
-            <a:schemeClr val="accent4">
-              <a:lumMod val="20000"/>
-              <a:lumOff val="80000"/>
-            </a:schemeClr>
-          </a:solidFill>
-        </p:spPr>
-        <p:style>
-          <a:lnRef idx="3">
-            <a:schemeClr val="lt1"/>
-          </a:lnRef>
-          <a:fillRef idx="1">
-            <a:schemeClr val="accent1"/>
-          </a:fillRef>
-          <a:effectRef idx="1">
-            <a:schemeClr val="accent1"/>
-          </a:effectRef>
-          <a:fontRef idx="minor">
-            <a:schemeClr val="lt1"/>
-          </a:fontRef>
-        </p:style>
-        <p:txBody>
-          <a:bodyPr rtlCol="0" anchor="ctr"/>
-          <a:lstStyle/>
-          <a:p>
-            <a:r>
-              <a:rPr lang="en-US" sz="2800" b="1" dirty="0"/>
-              <a:t>U</a:t>
-            </a:r>
-            <a:r>
-              <a:rPr lang="en-US" sz="2800" dirty="0"/>
-              <a:t>pdate users</a:t>
-            </a:r>
-          </a:p>
-        </p:txBody>
-      </p:sp>
-      <p:sp>
-        <p:nvSpPr>
-          <p:cNvPr id="10" name="TextBox 9">
-            <a:extLst>
-              <a:ext uri="{FF2B5EF4-FFF2-40B4-BE49-F238E27FC236}">
-                <a16:creationId xmlns:a16="http://schemas.microsoft.com/office/drawing/2014/main" id="{7015E785-D9B1-45CF-BE0B-D52E057555C4}"/>
-              </a:ext>
-            </a:extLst>
-          </p:cNvPr>
-          <p:cNvSpPr txBox="1"/>
-          <p:nvPr/>
-        </p:nvSpPr>
-        <p:spPr>
-          <a:xfrm>
-            <a:off x="243840" y="3036071"/>
-            <a:ext cx="3657600" cy="369332"/>
-          </a:xfrm>
-          <a:prstGeom prst="rect">
-            <a:avLst/>
-          </a:prstGeom>
-          <a:noFill/>
-        </p:spPr>
-        <p:txBody>
-          <a:bodyPr wrap="square">
-            <a:spAutoFit/>
-          </a:bodyPr>
-          <a:lstStyle/>
-          <a:p>
-            <a:r>
-              <a:rPr lang="en-US" dirty="0">
-                <a:solidFill>
-                  <a:schemeClr val="bg1">
-                    <a:lumMod val="75000"/>
-                  </a:schemeClr>
-                </a:solidFill>
-              </a:rPr>
-              <a:t>Show progress</a:t>
-            </a:r>
-          </a:p>
-        </p:txBody>
-      </p:sp>
-      <p:sp>
-        <p:nvSpPr>
-          <p:cNvPr id="12" name="Rectangle 11">
-            <a:extLst>
-              <a:ext uri="{FF2B5EF4-FFF2-40B4-BE49-F238E27FC236}">
-                <a16:creationId xmlns:a16="http://schemas.microsoft.com/office/drawing/2014/main" id="{6DA3C799-7CAA-4D9F-B5A5-42D50E440267}"/>
-              </a:ext>
-            </a:extLst>
-          </p:cNvPr>
-          <p:cNvSpPr/>
-          <p:nvPr/>
-        </p:nvSpPr>
-        <p:spPr>
-          <a:xfrm>
-            <a:off x="243840" y="3609792"/>
-            <a:ext cx="3657600" cy="685800"/>
-          </a:xfrm>
-          <a:prstGeom prst="rect">
-            <a:avLst/>
-          </a:prstGeom>
-          <a:solidFill>
-            <a:schemeClr val="accent4">
-              <a:lumMod val="20000"/>
-              <a:lumOff val="80000"/>
-            </a:schemeClr>
-          </a:solidFill>
-        </p:spPr>
-        <p:style>
-          <a:lnRef idx="3">
-            <a:schemeClr val="lt1"/>
-          </a:lnRef>
-          <a:fillRef idx="1">
-            <a:schemeClr val="accent1"/>
-          </a:fillRef>
-          <a:effectRef idx="1">
-            <a:schemeClr val="accent1"/>
-          </a:effectRef>
-          <a:fontRef idx="minor">
-            <a:schemeClr val="lt1"/>
-          </a:fontRef>
-        </p:style>
-        <p:txBody>
-          <a:bodyPr rtlCol="0" anchor="ctr"/>
-          <a:lstStyle/>
-          <a:p>
-            <a:r>
-              <a:rPr lang="en-US" sz="2800" b="1" dirty="0"/>
-              <a:t>R</a:t>
-            </a:r>
-            <a:r>
-              <a:rPr lang="en-US" sz="2800" dirty="0"/>
-              <a:t>ecover from errors</a:t>
-            </a:r>
-          </a:p>
-        </p:txBody>
-      </p:sp>
-      <p:sp>
-        <p:nvSpPr>
-          <p:cNvPr id="13" name="TextBox 12">
-            <a:extLst>
-              <a:ext uri="{FF2B5EF4-FFF2-40B4-BE49-F238E27FC236}">
-                <a16:creationId xmlns:a16="http://schemas.microsoft.com/office/drawing/2014/main" id="{1A6E0028-5550-44AD-9127-9F6B1C34A019}"/>
-              </a:ext>
-            </a:extLst>
-          </p:cNvPr>
-          <p:cNvSpPr txBox="1"/>
-          <p:nvPr/>
-        </p:nvSpPr>
-        <p:spPr>
-          <a:xfrm>
-            <a:off x="243840" y="4267121"/>
-            <a:ext cx="3657600" cy="369332"/>
-          </a:xfrm>
-          <a:prstGeom prst="rect">
-            <a:avLst/>
-          </a:prstGeom>
-          <a:noFill/>
-        </p:spPr>
-        <p:txBody>
-          <a:bodyPr wrap="square">
-            <a:spAutoFit/>
-          </a:bodyPr>
-          <a:lstStyle/>
-          <a:p>
-            <a:r>
-              <a:rPr lang="en-US" dirty="0">
-                <a:solidFill>
-                  <a:schemeClr val="bg1">
-                    <a:lumMod val="75000"/>
-                  </a:schemeClr>
-                </a:solidFill>
-              </a:rPr>
-              <a:t>Continue from where they left off</a:t>
-            </a:r>
-          </a:p>
-        </p:txBody>
-      </p:sp>
-      <p:sp>
-        <p:nvSpPr>
-          <p:cNvPr id="16" name="Rectangle 15">
-            <a:extLst>
-              <a:ext uri="{FF2B5EF4-FFF2-40B4-BE49-F238E27FC236}">
-                <a16:creationId xmlns:a16="http://schemas.microsoft.com/office/drawing/2014/main" id="{B9F9503A-5ED8-43F1-AAF5-C88A187C8B7C}"/>
-              </a:ext>
-            </a:extLst>
-          </p:cNvPr>
-          <p:cNvSpPr/>
-          <p:nvPr/>
-        </p:nvSpPr>
-        <p:spPr>
-          <a:xfrm>
-            <a:off x="243840" y="4840843"/>
-            <a:ext cx="3657600" cy="685800"/>
-          </a:xfrm>
-          <a:prstGeom prst="rect">
-            <a:avLst/>
-          </a:prstGeom>
-          <a:solidFill>
-            <a:schemeClr val="accent4"/>
-          </a:solidFill>
-        </p:spPr>
-        <p:style>
-          <a:lnRef idx="3">
-            <a:schemeClr val="lt1"/>
-          </a:lnRef>
-          <a:fillRef idx="1">
-            <a:schemeClr val="accent1"/>
-          </a:fillRef>
-          <a:effectRef idx="1">
-            <a:schemeClr val="accent1"/>
-          </a:effectRef>
-          <a:fontRef idx="minor">
-            <a:schemeClr val="lt1"/>
-          </a:fontRef>
-        </p:style>
-        <p:txBody>
-          <a:bodyPr rtlCol="0" anchor="ctr"/>
-          <a:lstStyle/>
-          <a:p>
-            <a:r>
-              <a:rPr lang="en-US" sz="2800" b="1" dirty="0"/>
-              <a:t>P</a:t>
-            </a:r>
-            <a:r>
-              <a:rPr lang="en-US" sz="2800" dirty="0"/>
-              <a:t>re-compute</a:t>
-            </a:r>
-          </a:p>
-        </p:txBody>
-      </p:sp>
-      <p:sp>
-        <p:nvSpPr>
-          <p:cNvPr id="17" name="TextBox 16">
-            <a:extLst>
-              <a:ext uri="{FF2B5EF4-FFF2-40B4-BE49-F238E27FC236}">
-                <a16:creationId xmlns:a16="http://schemas.microsoft.com/office/drawing/2014/main" id="{1BCB68C5-AD42-4DAF-BD10-36E46643B549}"/>
-              </a:ext>
-            </a:extLst>
-          </p:cNvPr>
-          <p:cNvSpPr txBox="1"/>
-          <p:nvPr/>
-        </p:nvSpPr>
-        <p:spPr>
-          <a:xfrm>
-            <a:off x="243840" y="5526643"/>
-            <a:ext cx="3657600" cy="369332"/>
-          </a:xfrm>
-          <a:prstGeom prst="rect">
-            <a:avLst/>
-          </a:prstGeom>
-          <a:noFill/>
-        </p:spPr>
-        <p:txBody>
-          <a:bodyPr wrap="square">
-            <a:spAutoFit/>
-          </a:bodyPr>
-          <a:lstStyle/>
-          <a:p>
-            <a:r>
-              <a:rPr lang="en-US" dirty="0"/>
-              <a:t>Calculate common things upfront</a:t>
-            </a:r>
-          </a:p>
-        </p:txBody>
-      </p:sp>
-    </p:spTree>
-    <p:extLst>
-      <p:ext uri="{BB962C8B-B14F-4D97-AF65-F5344CB8AC3E}">
-        <p14:creationId xmlns:p14="http://schemas.microsoft.com/office/powerpoint/2010/main" val="3391423272"/>
-      </p:ext>
-    </p:extLst>
-  </p:cSld>
-  <p:clrMapOvr>
-    <a:masterClrMapping/>
-  </p:clrMapOvr>
-  <mc:AlternateContent xmlns:mc="http://schemas.openxmlformats.org/markup-compatibility/2006" xmlns:p159="http://schemas.microsoft.com/office/powerpoint/2015/09/main">
-    <mc:Choice Requires="p159">
-      <p:transition spd="slow">
-        <p159:morph option="byObject"/>
-      </p:transition>
-    </mc:Choice>
-    <mc:Fallback xmlns="">
-      <p:transition spd="slow">
-        <p:fade/>
-      </p:transition>
-    </mc:Fallback>
-  </mc:AlternateContent>
 </p:sld>
 </file>
 
@@ -24513,6 +24332,548 @@
       </p:grpSpPr>
       <p:sp>
         <p:nvSpPr>
+          <p:cNvPr id="6" name="Title 5">
+            <a:extLst>
+              <a:ext uri="{FF2B5EF4-FFF2-40B4-BE49-F238E27FC236}">
+                <a16:creationId xmlns:a16="http://schemas.microsoft.com/office/drawing/2014/main" id="{5755AC4B-948D-4B0C-B471-BAB6BD868D1D}"/>
+              </a:ext>
+            </a:extLst>
+          </p:cNvPr>
+          <p:cNvSpPr>
+            <a:spLocks noGrp="1"/>
+          </p:cNvSpPr>
+          <p:nvPr>
+            <p:ph type="title"/>
+          </p:nvPr>
+        </p:nvSpPr>
+        <p:spPr>
+          <a:xfrm>
+            <a:off x="243840" y="109536"/>
+            <a:ext cx="11704320" cy="641352"/>
+          </a:xfrm>
+        </p:spPr>
+        <p:txBody>
+          <a:bodyPr/>
+          <a:lstStyle/>
+          <a:p>
+            <a:r>
+              <a:rPr lang="en-US" dirty="0"/>
+              <a:t>There are four ways you can make your app feel faster without optimizing</a:t>
+            </a:r>
+          </a:p>
+        </p:txBody>
+      </p:sp>
+      <p:sp>
+        <p:nvSpPr>
+          <p:cNvPr id="4" name="Slide Number Placeholder 3">
+            <a:extLst>
+              <a:ext uri="{FF2B5EF4-FFF2-40B4-BE49-F238E27FC236}">
+                <a16:creationId xmlns:a16="http://schemas.microsoft.com/office/drawing/2014/main" id="{49570F6D-8279-44D1-A8E2-1B58441A65AF}"/>
+              </a:ext>
+            </a:extLst>
+          </p:cNvPr>
+          <p:cNvSpPr>
+            <a:spLocks noGrp="1"/>
+          </p:cNvSpPr>
+          <p:nvPr>
+            <p:ph type="sldNum" sz="quarter" idx="19"/>
+          </p:nvPr>
+        </p:nvSpPr>
+        <p:spPr/>
+        <p:txBody>
+          <a:bodyPr/>
+          <a:lstStyle/>
+          <a:p>
+            <a:fld id="{E08A2EAE-61F0-4E80-AF13-6C345B2B49E7}" type="slidenum">
+              <a:rPr lang="en-US" smtClean="0"/>
+              <a:pPr/>
+              <a:t>20</a:t>
+            </a:fld>
+            <a:endParaRPr lang="en-US" dirty="0"/>
+          </a:p>
+        </p:txBody>
+      </p:sp>
+      <p:sp>
+        <p:nvSpPr>
+          <p:cNvPr id="3" name="Text Placeholder 2">
+            <a:extLst>
+              <a:ext uri="{FF2B5EF4-FFF2-40B4-BE49-F238E27FC236}">
+                <a16:creationId xmlns:a16="http://schemas.microsoft.com/office/drawing/2014/main" id="{1C1C79B4-D83C-41F3-8837-0118F33BE03C}"/>
+              </a:ext>
+            </a:extLst>
+          </p:cNvPr>
+          <p:cNvSpPr>
+            <a:spLocks noGrp="1"/>
+          </p:cNvSpPr>
+          <p:nvPr>
+            <p:ph type="body" sz="quarter" idx="20"/>
+          </p:nvPr>
+        </p:nvSpPr>
+        <p:spPr/>
+        <p:txBody>
+          <a:bodyPr/>
+          <a:lstStyle/>
+          <a:p>
+            <a:endParaRPr lang="en-US" dirty="0"/>
+          </a:p>
+        </p:txBody>
+      </p:sp>
+      <p:sp>
+        <p:nvSpPr>
+          <p:cNvPr id="2" name="Text Placeholder 1">
+            <a:extLst>
+              <a:ext uri="{FF2B5EF4-FFF2-40B4-BE49-F238E27FC236}">
+                <a16:creationId xmlns:a16="http://schemas.microsoft.com/office/drawing/2014/main" id="{C1E78DB8-E7CA-488D-9764-0CAE03E3FE48}"/>
+              </a:ext>
+            </a:extLst>
+          </p:cNvPr>
+          <p:cNvSpPr>
+            <a:spLocks noGrp="1"/>
+          </p:cNvSpPr>
+          <p:nvPr>
+            <p:ph type="body" sz="quarter" idx="16"/>
+          </p:nvPr>
+        </p:nvSpPr>
+        <p:spPr>
+          <a:xfrm>
+            <a:off x="1524000" y="6168173"/>
+            <a:ext cx="9144000" cy="432792"/>
+          </a:xfrm>
+        </p:spPr>
+        <p:txBody>
+          <a:bodyPr/>
+          <a:lstStyle/>
+          <a:p>
+            <a:r>
+              <a:rPr lang="en-US" dirty="0"/>
+              <a:t>Remember “</a:t>
+            </a:r>
+            <a:r>
+              <a:rPr lang="en-US" u="sng" dirty="0"/>
+              <a:t>PURP</a:t>
+            </a:r>
+            <a:r>
+              <a:rPr lang="en-US" b="0" dirty="0"/>
+              <a:t>LE</a:t>
+            </a:r>
+            <a:r>
+              <a:rPr lang="en-US" dirty="0"/>
+              <a:t>”</a:t>
+            </a:r>
+          </a:p>
+        </p:txBody>
+      </p:sp>
+      <p:sp>
+        <p:nvSpPr>
+          <p:cNvPr id="5" name="Rectangle 4">
+            <a:extLst>
+              <a:ext uri="{FF2B5EF4-FFF2-40B4-BE49-F238E27FC236}">
+                <a16:creationId xmlns:a16="http://schemas.microsoft.com/office/drawing/2014/main" id="{A14E968A-9907-452F-B626-8DEA3219A419}"/>
+              </a:ext>
+            </a:extLst>
+          </p:cNvPr>
+          <p:cNvSpPr/>
+          <p:nvPr/>
+        </p:nvSpPr>
+        <p:spPr>
+          <a:xfrm>
+            <a:off x="243840" y="1143000"/>
+            <a:ext cx="3657600" cy="685800"/>
+          </a:xfrm>
+          <a:prstGeom prst="rect">
+            <a:avLst/>
+          </a:prstGeom>
+          <a:solidFill>
+            <a:schemeClr val="accent4">
+              <a:lumMod val="20000"/>
+              <a:lumOff val="80000"/>
+            </a:schemeClr>
+          </a:solidFill>
+        </p:spPr>
+        <p:style>
+          <a:lnRef idx="3">
+            <a:schemeClr val="lt1"/>
+          </a:lnRef>
+          <a:fillRef idx="1">
+            <a:schemeClr val="accent1"/>
+          </a:fillRef>
+          <a:effectRef idx="1">
+            <a:schemeClr val="accent1"/>
+          </a:effectRef>
+          <a:fontRef idx="minor">
+            <a:schemeClr val="lt1"/>
+          </a:fontRef>
+        </p:style>
+        <p:txBody>
+          <a:bodyPr rtlCol="0" anchor="ctr"/>
+          <a:lstStyle/>
+          <a:p>
+            <a:r>
+              <a:rPr lang="en-US" sz="2800" b="1" dirty="0"/>
+              <a:t>P</a:t>
+            </a:r>
+            <a:r>
+              <a:rPr lang="en-US" sz="2800" dirty="0"/>
+              <a:t>rioritize</a:t>
+            </a:r>
+          </a:p>
+        </p:txBody>
+      </p:sp>
+      <p:sp>
+        <p:nvSpPr>
+          <p:cNvPr id="8" name="TextBox 7">
+            <a:extLst>
+              <a:ext uri="{FF2B5EF4-FFF2-40B4-BE49-F238E27FC236}">
+                <a16:creationId xmlns:a16="http://schemas.microsoft.com/office/drawing/2014/main" id="{04D0623C-9950-475A-96DB-659AE8CB554B}"/>
+              </a:ext>
+            </a:extLst>
+          </p:cNvPr>
+          <p:cNvSpPr txBox="1"/>
+          <p:nvPr/>
+        </p:nvSpPr>
+        <p:spPr>
+          <a:xfrm>
+            <a:off x="243840" y="1807466"/>
+            <a:ext cx="3657600" cy="369332"/>
+          </a:xfrm>
+          <a:prstGeom prst="rect">
+            <a:avLst/>
+          </a:prstGeom>
+          <a:noFill/>
+        </p:spPr>
+        <p:txBody>
+          <a:bodyPr wrap="square">
+            <a:spAutoFit/>
+          </a:bodyPr>
+          <a:lstStyle/>
+          <a:p>
+            <a:r>
+              <a:rPr lang="en-US" dirty="0">
+                <a:solidFill>
+                  <a:schemeClr val="bg1">
+                    <a:lumMod val="75000"/>
+                  </a:schemeClr>
+                </a:solidFill>
+              </a:rPr>
+              <a:t>Show most important things first</a:t>
+            </a:r>
+          </a:p>
+        </p:txBody>
+      </p:sp>
+      <p:sp>
+        <p:nvSpPr>
+          <p:cNvPr id="9" name="Rectangle 8">
+            <a:extLst>
+              <a:ext uri="{FF2B5EF4-FFF2-40B4-BE49-F238E27FC236}">
+                <a16:creationId xmlns:a16="http://schemas.microsoft.com/office/drawing/2014/main" id="{2D87941B-8D18-4AA9-9E35-D821770B1498}"/>
+              </a:ext>
+            </a:extLst>
+          </p:cNvPr>
+          <p:cNvSpPr/>
+          <p:nvPr/>
+        </p:nvSpPr>
+        <p:spPr>
+          <a:xfrm>
+            <a:off x="243840" y="2381187"/>
+            <a:ext cx="3657600" cy="685800"/>
+          </a:xfrm>
+          <a:prstGeom prst="rect">
+            <a:avLst/>
+          </a:prstGeom>
+          <a:solidFill>
+            <a:schemeClr val="accent4">
+              <a:lumMod val="20000"/>
+              <a:lumOff val="80000"/>
+            </a:schemeClr>
+          </a:solidFill>
+        </p:spPr>
+        <p:style>
+          <a:lnRef idx="3">
+            <a:schemeClr val="lt1"/>
+          </a:lnRef>
+          <a:fillRef idx="1">
+            <a:schemeClr val="accent1"/>
+          </a:fillRef>
+          <a:effectRef idx="1">
+            <a:schemeClr val="accent1"/>
+          </a:effectRef>
+          <a:fontRef idx="minor">
+            <a:schemeClr val="lt1"/>
+          </a:fontRef>
+        </p:style>
+        <p:txBody>
+          <a:bodyPr rtlCol="0" anchor="ctr"/>
+          <a:lstStyle/>
+          <a:p>
+            <a:r>
+              <a:rPr lang="en-US" sz="2800" b="1" dirty="0"/>
+              <a:t>U</a:t>
+            </a:r>
+            <a:r>
+              <a:rPr lang="en-US" sz="2800" dirty="0"/>
+              <a:t>pdate users</a:t>
+            </a:r>
+          </a:p>
+        </p:txBody>
+      </p:sp>
+      <p:sp>
+        <p:nvSpPr>
+          <p:cNvPr id="10" name="TextBox 9">
+            <a:extLst>
+              <a:ext uri="{FF2B5EF4-FFF2-40B4-BE49-F238E27FC236}">
+                <a16:creationId xmlns:a16="http://schemas.microsoft.com/office/drawing/2014/main" id="{7015E785-D9B1-45CF-BE0B-D52E057555C4}"/>
+              </a:ext>
+            </a:extLst>
+          </p:cNvPr>
+          <p:cNvSpPr txBox="1"/>
+          <p:nvPr/>
+        </p:nvSpPr>
+        <p:spPr>
+          <a:xfrm>
+            <a:off x="243840" y="3036071"/>
+            <a:ext cx="3657600" cy="369332"/>
+          </a:xfrm>
+          <a:prstGeom prst="rect">
+            <a:avLst/>
+          </a:prstGeom>
+          <a:noFill/>
+        </p:spPr>
+        <p:txBody>
+          <a:bodyPr wrap="square">
+            <a:spAutoFit/>
+          </a:bodyPr>
+          <a:lstStyle/>
+          <a:p>
+            <a:r>
+              <a:rPr lang="en-US" dirty="0">
+                <a:solidFill>
+                  <a:schemeClr val="bg1">
+                    <a:lumMod val="75000"/>
+                  </a:schemeClr>
+                </a:solidFill>
+              </a:rPr>
+              <a:t>Show progress</a:t>
+            </a:r>
+          </a:p>
+        </p:txBody>
+      </p:sp>
+      <p:sp>
+        <p:nvSpPr>
+          <p:cNvPr id="12" name="Rectangle 11">
+            <a:extLst>
+              <a:ext uri="{FF2B5EF4-FFF2-40B4-BE49-F238E27FC236}">
+                <a16:creationId xmlns:a16="http://schemas.microsoft.com/office/drawing/2014/main" id="{6DA3C799-7CAA-4D9F-B5A5-42D50E440267}"/>
+              </a:ext>
+            </a:extLst>
+          </p:cNvPr>
+          <p:cNvSpPr/>
+          <p:nvPr/>
+        </p:nvSpPr>
+        <p:spPr>
+          <a:xfrm>
+            <a:off x="243840" y="3609792"/>
+            <a:ext cx="3657600" cy="685800"/>
+          </a:xfrm>
+          <a:prstGeom prst="rect">
+            <a:avLst/>
+          </a:prstGeom>
+          <a:solidFill>
+            <a:schemeClr val="accent4">
+              <a:lumMod val="20000"/>
+              <a:lumOff val="80000"/>
+            </a:schemeClr>
+          </a:solidFill>
+        </p:spPr>
+        <p:style>
+          <a:lnRef idx="3">
+            <a:schemeClr val="lt1"/>
+          </a:lnRef>
+          <a:fillRef idx="1">
+            <a:schemeClr val="accent1"/>
+          </a:fillRef>
+          <a:effectRef idx="1">
+            <a:schemeClr val="accent1"/>
+          </a:effectRef>
+          <a:fontRef idx="minor">
+            <a:schemeClr val="lt1"/>
+          </a:fontRef>
+        </p:style>
+        <p:txBody>
+          <a:bodyPr rtlCol="0" anchor="ctr"/>
+          <a:lstStyle/>
+          <a:p>
+            <a:r>
+              <a:rPr lang="en-US" sz="2800" b="1" dirty="0"/>
+              <a:t>R</a:t>
+            </a:r>
+            <a:r>
+              <a:rPr lang="en-US" sz="2800" dirty="0"/>
+              <a:t>ecover from errors</a:t>
+            </a:r>
+          </a:p>
+        </p:txBody>
+      </p:sp>
+      <p:sp>
+        <p:nvSpPr>
+          <p:cNvPr id="13" name="TextBox 12">
+            <a:extLst>
+              <a:ext uri="{FF2B5EF4-FFF2-40B4-BE49-F238E27FC236}">
+                <a16:creationId xmlns:a16="http://schemas.microsoft.com/office/drawing/2014/main" id="{1A6E0028-5550-44AD-9127-9F6B1C34A019}"/>
+              </a:ext>
+            </a:extLst>
+          </p:cNvPr>
+          <p:cNvSpPr txBox="1"/>
+          <p:nvPr/>
+        </p:nvSpPr>
+        <p:spPr>
+          <a:xfrm>
+            <a:off x="243840" y="4267121"/>
+            <a:ext cx="3657600" cy="369332"/>
+          </a:xfrm>
+          <a:prstGeom prst="rect">
+            <a:avLst/>
+          </a:prstGeom>
+          <a:noFill/>
+        </p:spPr>
+        <p:txBody>
+          <a:bodyPr wrap="square">
+            <a:spAutoFit/>
+          </a:bodyPr>
+          <a:lstStyle/>
+          <a:p>
+            <a:r>
+              <a:rPr lang="en-US" dirty="0">
+                <a:solidFill>
+                  <a:schemeClr val="bg1">
+                    <a:lumMod val="75000"/>
+                  </a:schemeClr>
+                </a:solidFill>
+              </a:rPr>
+              <a:t>Continue from where they left off</a:t>
+            </a:r>
+          </a:p>
+        </p:txBody>
+      </p:sp>
+      <p:sp>
+        <p:nvSpPr>
+          <p:cNvPr id="16" name="Rectangle 15">
+            <a:extLst>
+              <a:ext uri="{FF2B5EF4-FFF2-40B4-BE49-F238E27FC236}">
+                <a16:creationId xmlns:a16="http://schemas.microsoft.com/office/drawing/2014/main" id="{B9F9503A-5ED8-43F1-AAF5-C88A187C8B7C}"/>
+              </a:ext>
+            </a:extLst>
+          </p:cNvPr>
+          <p:cNvSpPr/>
+          <p:nvPr/>
+        </p:nvSpPr>
+        <p:spPr>
+          <a:xfrm>
+            <a:off x="243840" y="4840843"/>
+            <a:ext cx="3657600" cy="685800"/>
+          </a:xfrm>
+          <a:prstGeom prst="rect">
+            <a:avLst/>
+          </a:prstGeom>
+          <a:solidFill>
+            <a:schemeClr val="accent4"/>
+          </a:solidFill>
+        </p:spPr>
+        <p:style>
+          <a:lnRef idx="3">
+            <a:schemeClr val="lt1"/>
+          </a:lnRef>
+          <a:fillRef idx="1">
+            <a:schemeClr val="accent1"/>
+          </a:fillRef>
+          <a:effectRef idx="1">
+            <a:schemeClr val="accent1"/>
+          </a:effectRef>
+          <a:fontRef idx="minor">
+            <a:schemeClr val="lt1"/>
+          </a:fontRef>
+        </p:style>
+        <p:txBody>
+          <a:bodyPr rtlCol="0" anchor="ctr"/>
+          <a:lstStyle/>
+          <a:p>
+            <a:r>
+              <a:rPr lang="en-US" sz="2800" b="1" dirty="0"/>
+              <a:t>P</a:t>
+            </a:r>
+            <a:r>
+              <a:rPr lang="en-US" sz="2800" dirty="0"/>
+              <a:t>re-compute</a:t>
+            </a:r>
+          </a:p>
+        </p:txBody>
+      </p:sp>
+      <p:sp>
+        <p:nvSpPr>
+          <p:cNvPr id="17" name="TextBox 16">
+            <a:extLst>
+              <a:ext uri="{FF2B5EF4-FFF2-40B4-BE49-F238E27FC236}">
+                <a16:creationId xmlns:a16="http://schemas.microsoft.com/office/drawing/2014/main" id="{1BCB68C5-AD42-4DAF-BD10-36E46643B549}"/>
+              </a:ext>
+            </a:extLst>
+          </p:cNvPr>
+          <p:cNvSpPr txBox="1"/>
+          <p:nvPr/>
+        </p:nvSpPr>
+        <p:spPr>
+          <a:xfrm>
+            <a:off x="243840" y="5526643"/>
+            <a:ext cx="3657600" cy="369332"/>
+          </a:xfrm>
+          <a:prstGeom prst="rect">
+            <a:avLst/>
+          </a:prstGeom>
+          <a:noFill/>
+        </p:spPr>
+        <p:txBody>
+          <a:bodyPr wrap="square">
+            <a:spAutoFit/>
+          </a:bodyPr>
+          <a:lstStyle/>
+          <a:p>
+            <a:r>
+              <a:rPr lang="en-US" dirty="0"/>
+              <a:t>Calculate common things upfront</a:t>
+            </a:r>
+          </a:p>
+        </p:txBody>
+      </p:sp>
+    </p:spTree>
+    <p:extLst>
+      <p:ext uri="{BB962C8B-B14F-4D97-AF65-F5344CB8AC3E}">
+        <p14:creationId xmlns:p14="http://schemas.microsoft.com/office/powerpoint/2010/main" val="3391423272"/>
+      </p:ext>
+    </p:extLst>
+  </p:cSld>
+  <p:clrMapOvr>
+    <a:masterClrMapping/>
+  </p:clrMapOvr>
+</p:sld>
+</file>
+
+<file path=ppt/slides/slide21.xml><?xml version="1.0" encoding="utf-8"?>
+<p:sld xmlns:a="http://schemas.openxmlformats.org/drawingml/2006/main" xmlns:r="http://schemas.openxmlformats.org/officeDocument/2006/relationships" xmlns:p="http://schemas.openxmlformats.org/presentationml/2006/main">
+  <p:cSld>
+    <p:spTree>
+      <p:nvGrpSpPr>
+        <p:cNvPr id="1" name=""/>
+        <p:cNvGrpSpPr/>
+        <p:nvPr/>
+      </p:nvGrpSpPr>
+      <p:grpSpPr>
+        <a:xfrm>
+          <a:off x="0" y="0"/>
+          <a:ext cx="0" cy="0"/>
+          <a:chOff x="0" y="0"/>
+          <a:chExt cx="0" cy="0"/>
+        </a:xfrm>
+      </p:grpSpPr>
+      <p:sp>
+        <p:nvSpPr>
           <p:cNvPr id="2" name="Title 1">
             <a:extLst>
               <a:ext uri="{FF2B5EF4-FFF2-40B4-BE49-F238E27FC236}">
@@ -24563,7 +24924,7 @@
             <a:fld id="{E08A2EAE-61F0-4E80-AF13-6C345B2B49E7}" type="slidenum">
               <a:rPr lang="en-US" smtClean="0"/>
               <a:pPr/>
-              <a:t>20</a:t>
+              <a:t>21</a:t>
             </a:fld>
             <a:endParaRPr lang="en-US" dirty="0"/>
           </a:p>
@@ -26453,7 +26814,7 @@
 </p:sld>
 </file>
 
-<file path=ppt/slides/slide21.xml><?xml version="1.0" encoding="utf-8"?>
+<file path=ppt/slides/slide22.xml><?xml version="1.0" encoding="utf-8"?>
 <p:sld xmlns:a="http://schemas.openxmlformats.org/drawingml/2006/main" xmlns:r="http://schemas.openxmlformats.org/officeDocument/2006/relationships" xmlns:p="http://schemas.openxmlformats.org/presentationml/2006/main">
   <p:cSld>
     <p:spTree>
@@ -26527,7 +26888,7 @@
             <a:fld id="{E08A2EAE-61F0-4E80-AF13-6C345B2B49E7}" type="slidenum">
               <a:rPr lang="en-US" smtClean="0"/>
               <a:pPr/>
-              <a:t>21</a:t>
+              <a:t>22</a:t>
             </a:fld>
             <a:endParaRPr lang="en-US" dirty="0"/>
           </a:p>
@@ -26992,22 +27353,10 @@
   <p:clrMapOvr>
     <a:masterClrMapping/>
   </p:clrMapOvr>
-  <mc:AlternateContent xmlns:mc="http://schemas.openxmlformats.org/markup-compatibility/2006" xmlns:p159="http://schemas.microsoft.com/office/powerpoint/2015/09/main">
-    <mc:Choice Requires="p159">
-      <p:transition spd="slow">
-        <p159:morph option="byObject"/>
-      </p:transition>
-    </mc:Choice>
-    <mc:Fallback xmlns="">
-      <p:transition spd="slow">
-        <p:fade/>
-      </p:transition>
-    </mc:Fallback>
-  </mc:AlternateContent>
 </p:sld>
 </file>
 
-<file path=ppt/slides/slide22.xml><?xml version="1.0" encoding="utf-8"?>
+<file path=ppt/slides/slide23.xml><?xml version="1.0" encoding="utf-8"?>
 <p:sld xmlns:a="http://schemas.openxmlformats.org/drawingml/2006/main" xmlns:r="http://schemas.openxmlformats.org/officeDocument/2006/relationships" xmlns:p="http://schemas.openxmlformats.org/presentationml/2006/main">
   <p:cSld>
     <p:spTree>
@@ -27104,7 +27453,7 @@
             <a:fld id="{E08A2EAE-61F0-4E80-AF13-6C345B2B49E7}" type="slidenum">
               <a:rPr lang="en-US" smtClean="0"/>
               <a:pPr/>
-              <a:t>22</a:t>
+              <a:t>23</a:t>
             </a:fld>
             <a:endParaRPr lang="en-US" dirty="0"/>
           </a:p>
@@ -28372,7 +28721,7 @@
 </p:sld>
 </file>
 
-<file path=ppt/slides/slide23.xml><?xml version="1.0" encoding="utf-8"?>
+<file path=ppt/slides/slide24.xml><?xml version="1.0" encoding="utf-8"?>
 <p:sld xmlns:a="http://schemas.openxmlformats.org/drawingml/2006/main" xmlns:r="http://schemas.openxmlformats.org/officeDocument/2006/relationships" xmlns:p="http://schemas.openxmlformats.org/presentationml/2006/main">
   <p:cSld>
     <p:spTree>
@@ -28441,7 +28790,7 @@
             <a:fld id="{E08A2EAE-61F0-4E80-AF13-6C345B2B49E7}" type="slidenum">
               <a:rPr lang="en-US" smtClean="0"/>
               <a:pPr/>
-              <a:t>23</a:t>
+              <a:t>24</a:t>
             </a:fld>
             <a:endParaRPr lang="en-US" dirty="0"/>
           </a:p>
@@ -29547,7 +29896,7 @@
 </p:sld>
 </file>
 
-<file path=ppt/slides/slide24.xml><?xml version="1.0" encoding="utf-8"?>
+<file path=ppt/slides/slide25.xml><?xml version="1.0" encoding="utf-8"?>
 <p:sld xmlns:a="http://schemas.openxmlformats.org/drawingml/2006/main" xmlns:r="http://schemas.openxmlformats.org/officeDocument/2006/relationships" xmlns:p="http://schemas.openxmlformats.org/presentationml/2006/main">
   <p:cSld>
     <p:spTree>
@@ -29633,7 +29982,7 @@
             <a:fld id="{E08A2EAE-61F0-4E80-AF13-6C345B2B49E7}" type="slidenum">
               <a:rPr lang="en-US" smtClean="0"/>
               <a:pPr/>
-              <a:t>24</a:t>
+              <a:t>25</a:t>
             </a:fld>
             <a:endParaRPr lang="en-US" dirty="0"/>
           </a:p>
@@ -30071,22 +30420,10 @@
   <p:clrMapOvr>
     <a:masterClrMapping/>
   </p:clrMapOvr>
-  <mc:AlternateContent xmlns:mc="http://schemas.openxmlformats.org/markup-compatibility/2006" xmlns:p159="http://schemas.microsoft.com/office/powerpoint/2015/09/main">
-    <mc:Choice Requires="p159">
-      <p:transition spd="slow">
-        <p159:morph option="byObject"/>
-      </p:transition>
-    </mc:Choice>
-    <mc:Fallback xmlns="">
-      <p:transition spd="slow">
-        <p:fade/>
-      </p:transition>
-    </mc:Fallback>
-  </mc:AlternateContent>
 </p:sld>
 </file>
 
-<file path=ppt/slides/slide25.xml><?xml version="1.0" encoding="utf-8"?>
+<file path=ppt/slides/slide26.xml><?xml version="1.0" encoding="utf-8"?>
 <p:sld xmlns:a="http://schemas.openxmlformats.org/drawingml/2006/main" xmlns:r="http://schemas.openxmlformats.org/officeDocument/2006/relationships" xmlns:p="http://schemas.openxmlformats.org/presentationml/2006/main">
   <p:cSld>
     <p:spTree>
@@ -30155,7 +30492,7 @@
             <a:fld id="{E08A2EAE-61F0-4E80-AF13-6C345B2B49E7}" type="slidenum">
               <a:rPr lang="en-US" smtClean="0"/>
               <a:pPr/>
-              <a:t>25</a:t>
+              <a:t>26</a:t>
             </a:fld>
             <a:endParaRPr lang="en-US" dirty="0"/>
           </a:p>
@@ -31139,22 +31476,10 @@
   <p:clrMapOvr>
     <a:masterClrMapping/>
   </p:clrMapOvr>
-  <mc:AlternateContent xmlns:mc="http://schemas.openxmlformats.org/markup-compatibility/2006" xmlns:p159="http://schemas.microsoft.com/office/powerpoint/2015/09/main">
-    <mc:Choice Requires="p159">
-      <p:transition spd="slow">
-        <p159:morph option="byObject"/>
-      </p:transition>
-    </mc:Choice>
-    <mc:Fallback xmlns="">
-      <p:transition spd="slow">
-        <p:fade/>
-      </p:transition>
-    </mc:Fallback>
-  </mc:AlternateContent>
 </p:sld>
 </file>
 
-<file path=ppt/slides/slide26.xml><?xml version="1.0" encoding="utf-8"?>
+<file path=ppt/slides/slide27.xml><?xml version="1.0" encoding="utf-8"?>
 <p:sld xmlns:a="http://schemas.openxmlformats.org/drawingml/2006/main" xmlns:r="http://schemas.openxmlformats.org/officeDocument/2006/relationships" xmlns:p="http://schemas.openxmlformats.org/presentationml/2006/main">
   <p:cSld>
     <p:spTree>
@@ -31225,7 +31550,7 @@
             <a:fld id="{E08A2EAE-61F0-4E80-AF13-6C345B2B49E7}" type="slidenum">
               <a:rPr lang="en-US" smtClean="0"/>
               <a:pPr/>
-              <a:t>26</a:t>
+              <a:t>27</a:t>
             </a:fld>
             <a:endParaRPr lang="en-US" dirty="0"/>
           </a:p>
@@ -32712,22 +33037,10 @@
   <p:clrMapOvr>
     <a:masterClrMapping/>
   </p:clrMapOvr>
-  <mc:AlternateContent xmlns:mc="http://schemas.openxmlformats.org/markup-compatibility/2006" xmlns:p159="http://schemas.microsoft.com/office/powerpoint/2015/09/main">
-    <mc:Choice Requires="p159">
-      <p:transition spd="slow">
-        <p159:morph option="byObject"/>
-      </p:transition>
-    </mc:Choice>
-    <mc:Fallback xmlns="">
-      <p:transition spd="slow">
-        <p:fade/>
-      </p:transition>
-    </mc:Fallback>
-  </mc:AlternateContent>
 </p:sld>
 </file>
 
-<file path=ppt/slides/slide27.xml><?xml version="1.0" encoding="utf-8"?>
+<file path=ppt/slides/slide28.xml><?xml version="1.0" encoding="utf-8"?>
 <p:sld xmlns:a="http://schemas.openxmlformats.org/drawingml/2006/main" xmlns:r="http://schemas.openxmlformats.org/officeDocument/2006/relationships" xmlns:p="http://schemas.openxmlformats.org/presentationml/2006/main">
   <p:cSld>
     <p:spTree>
@@ -38719,6 +39032,284 @@
       </p:grpSpPr>
       <p:sp>
         <p:nvSpPr>
+          <p:cNvPr id="3" name="Title 2">
+            <a:extLst>
+              <a:ext uri="{FF2B5EF4-FFF2-40B4-BE49-F238E27FC236}">
+                <a16:creationId xmlns:a16="http://schemas.microsoft.com/office/drawing/2014/main" id="{61D31AEB-D044-46FE-814E-0A4BA24423AB}"/>
+              </a:ext>
+            </a:extLst>
+          </p:cNvPr>
+          <p:cNvSpPr>
+            <a:spLocks noGrp="1"/>
+          </p:cNvSpPr>
+          <p:nvPr>
+            <p:ph type="ctrTitle"/>
+          </p:nvPr>
+        </p:nvSpPr>
+        <p:spPr>
+          <a:xfrm>
+            <a:off x="283143" y="1828800"/>
+            <a:ext cx="5050857" cy="2633241"/>
+          </a:xfrm>
+        </p:spPr>
+        <p:txBody>
+          <a:bodyPr>
+            <a:normAutofit/>
+          </a:bodyPr>
+          <a:lstStyle/>
+          <a:p>
+            <a:r>
+              <a:rPr lang="en-US" dirty="0"/>
+              <a:t>Making apps </a:t>
+            </a:r>
+            <a:r>
+              <a:rPr lang="en-US" i="1" dirty="0">
+                <a:solidFill>
+                  <a:schemeClr val="accent6"/>
+                </a:solidFill>
+              </a:rPr>
+              <a:t>seem</a:t>
+            </a:r>
+            <a:r>
+              <a:rPr lang="en-US" dirty="0"/>
+              <a:t> faster</a:t>
+            </a:r>
+            <a:br>
+              <a:rPr lang="en-US" dirty="0"/>
+            </a:br>
+            <a:r>
+              <a:rPr lang="en-US" sz="3200" dirty="0"/>
+              <a:t>without optimizing</a:t>
+            </a:r>
+          </a:p>
+        </p:txBody>
+      </p:sp>
+      <p:sp>
+        <p:nvSpPr>
+          <p:cNvPr id="4" name="Subtitle 3">
+            <a:extLst>
+              <a:ext uri="{FF2B5EF4-FFF2-40B4-BE49-F238E27FC236}">
+                <a16:creationId xmlns:a16="http://schemas.microsoft.com/office/drawing/2014/main" id="{C1AC943F-EFC6-4311-AFCB-AA09B835F5E3}"/>
+              </a:ext>
+            </a:extLst>
+          </p:cNvPr>
+          <p:cNvSpPr>
+            <a:spLocks noGrp="1"/>
+          </p:cNvSpPr>
+          <p:nvPr>
+            <p:ph type="subTitle" idx="1"/>
+          </p:nvPr>
+        </p:nvSpPr>
+        <p:spPr>
+          <a:xfrm>
+            <a:off x="283143" y="4514813"/>
+            <a:ext cx="5943600" cy="914400"/>
+          </a:xfrm>
+        </p:spPr>
+        <p:txBody>
+          <a:bodyPr>
+            <a:normAutofit/>
+          </a:bodyPr>
+          <a:lstStyle/>
+          <a:p>
+            <a:pPr>
+              <a:lnSpc>
+                <a:spcPct val="120000"/>
+              </a:lnSpc>
+            </a:pPr>
+            <a:r>
+              <a:rPr lang="en-US" dirty="0" err="1"/>
+              <a:t>PyCon</a:t>
+            </a:r>
+            <a:r>
+              <a:rPr lang="en-US" dirty="0"/>
+              <a:t> India 2020 Keynote</a:t>
+            </a:r>
+          </a:p>
+        </p:txBody>
+      </p:sp>
+      <p:sp>
+        <p:nvSpPr>
+          <p:cNvPr id="5" name="Feedback">
+            <a:hlinkClick r:id="rId2" tooltip="Share your feedback about this template"/>
+            <a:extLst>
+              <a:ext uri="{FF2B5EF4-FFF2-40B4-BE49-F238E27FC236}">
+                <a16:creationId xmlns:a16="http://schemas.microsoft.com/office/drawing/2014/main" id="{C838129E-F414-40CB-9804-B99806AA2E62}"/>
+              </a:ext>
+            </a:extLst>
+          </p:cNvPr>
+          <p:cNvSpPr txBox="1"/>
+          <p:nvPr/>
+        </p:nvSpPr>
+        <p:spPr>
+          <a:xfrm>
+            <a:off x="11460480" y="-360364"/>
+            <a:ext cx="731520" cy="274320"/>
+          </a:xfrm>
+          <a:prstGeom prst="rect">
+            <a:avLst/>
+          </a:prstGeom>
+          <a:solidFill>
+            <a:schemeClr val="tx2"/>
+          </a:solidFill>
+        </p:spPr>
+        <p:txBody>
+          <a:bodyPr wrap="square" rtlCol="0" anchor="b">
+            <a:noAutofit/>
+          </a:bodyPr>
+          <a:lstStyle/>
+          <a:p>
+            <a:pPr algn="ctr"/>
+            <a:r>
+              <a:rPr lang="en-US" sz="1200" dirty="0">
+                <a:solidFill>
+                  <a:schemeClr val="bg1"/>
+                </a:solidFill>
+              </a:rPr>
+              <a:t>👍👎</a:t>
+            </a:r>
+          </a:p>
+        </p:txBody>
+      </p:sp>
+      <p:sp>
+        <p:nvSpPr>
+          <p:cNvPr id="2" name="TextBox 1">
+            <a:extLst>
+              <a:ext uri="{FF2B5EF4-FFF2-40B4-BE49-F238E27FC236}">
+                <a16:creationId xmlns:a16="http://schemas.microsoft.com/office/drawing/2014/main" id="{D81C2DCF-587A-40EE-AD7A-134E9E16BC1E}"/>
+              </a:ext>
+            </a:extLst>
+          </p:cNvPr>
+          <p:cNvSpPr txBox="1"/>
+          <p:nvPr/>
+        </p:nvSpPr>
+        <p:spPr>
+          <a:xfrm>
+            <a:off x="288736" y="5257800"/>
+            <a:ext cx="6950264" cy="954107"/>
+          </a:xfrm>
+          <a:prstGeom prst="rect">
+            <a:avLst/>
+          </a:prstGeom>
+          <a:noFill/>
+        </p:spPr>
+        <p:txBody>
+          <a:bodyPr wrap="square" rtlCol="0">
+            <a:spAutoFit/>
+          </a:bodyPr>
+          <a:lstStyle/>
+          <a:p>
+            <a:r>
+              <a:rPr lang="en-US" sz="2800" b="1" dirty="0">
+                <a:solidFill>
+                  <a:srgbClr val="D4D4D4"/>
+                </a:solidFill>
+                <a:effectLst/>
+                <a:latin typeface="Inconsolata" panose="00000509000000000000" pitchFamily="49" charset="0"/>
+              </a:rPr>
+              <a:t>github</a:t>
+            </a:r>
+            <a:r>
+              <a:rPr lang="en-US" sz="2800" b="0" dirty="0">
+                <a:solidFill>
+                  <a:srgbClr val="D4D4D4"/>
+                </a:solidFill>
+                <a:effectLst/>
+                <a:latin typeface="Inconsolata" panose="00000509000000000000" pitchFamily="49" charset="0"/>
+              </a:rPr>
+              <a:t>.com/</a:t>
+            </a:r>
+            <a:r>
+              <a:rPr lang="en-US" sz="2800" b="0" dirty="0">
+                <a:solidFill>
+                  <a:schemeClr val="accent6"/>
+                </a:solidFill>
+                <a:effectLst/>
+                <a:latin typeface="Inconsolata" panose="00000509000000000000" pitchFamily="49" charset="0"/>
+              </a:rPr>
+              <a:t>sanand0</a:t>
+            </a:r>
+            <a:r>
+              <a:rPr lang="en-US" sz="2800" b="0" dirty="0">
+                <a:solidFill>
+                  <a:srgbClr val="D4D4D4"/>
+                </a:solidFill>
+                <a:effectLst/>
+                <a:latin typeface="Inconsolata" panose="00000509000000000000" pitchFamily="49" charset="0"/>
+              </a:rPr>
+              <a:t>/pyconindia2020</a:t>
+            </a:r>
+          </a:p>
+          <a:p>
+            <a:r>
+              <a:rPr lang="en-US" sz="2800" b="1" dirty="0">
+                <a:solidFill>
+                  <a:srgbClr val="D4D4D4"/>
+                </a:solidFill>
+                <a:latin typeface="Inconsolata" panose="00000509000000000000" pitchFamily="49" charset="0"/>
+              </a:rPr>
+              <a:t>twitter</a:t>
+            </a:r>
+            <a:r>
+              <a:rPr lang="en-US" sz="2800" dirty="0">
+                <a:solidFill>
+                  <a:srgbClr val="D4D4D4"/>
+                </a:solidFill>
+                <a:latin typeface="Inconsolata" panose="00000509000000000000" pitchFamily="49" charset="0"/>
+              </a:rPr>
+              <a:t>.com/</a:t>
+            </a:r>
+            <a:r>
+              <a:rPr lang="en-US" sz="2800" dirty="0">
+                <a:solidFill>
+                  <a:schemeClr val="accent6"/>
+                </a:solidFill>
+                <a:latin typeface="Inconsolata" panose="00000509000000000000" pitchFamily="49" charset="0"/>
+              </a:rPr>
+              <a:t>sanand0</a:t>
+            </a:r>
+            <a:endParaRPr lang="en-US" sz="2800" b="0" dirty="0">
+              <a:solidFill>
+                <a:schemeClr val="accent6"/>
+              </a:solidFill>
+              <a:effectLst/>
+              <a:latin typeface="Inconsolata" panose="00000509000000000000" pitchFamily="49" charset="0"/>
+            </a:endParaRPr>
+          </a:p>
+        </p:txBody>
+      </p:sp>
+    </p:spTree>
+    <p:extLst>
+      <p:ext uri="{BB962C8B-B14F-4D97-AF65-F5344CB8AC3E}">
+        <p14:creationId xmlns:p14="http://schemas.microsoft.com/office/powerpoint/2010/main" val="3917936445"/>
+      </p:ext>
+    </p:extLst>
+  </p:cSld>
+  <p:clrMapOvr>
+    <a:masterClrMapping/>
+  </p:clrMapOvr>
+</p:sld>
+</file>
+
+<file path=ppt/slides/slide9.xml><?xml version="1.0" encoding="utf-8"?>
+<p:sld xmlns:a="http://schemas.openxmlformats.org/drawingml/2006/main" xmlns:r="http://schemas.openxmlformats.org/officeDocument/2006/relationships" xmlns:p="http://schemas.openxmlformats.org/presentationml/2006/main">
+  <p:cSld>
+    <p:spTree>
+      <p:nvGrpSpPr>
+        <p:cNvPr id="1" name=""/>
+        <p:cNvGrpSpPr/>
+        <p:nvPr/>
+      </p:nvGrpSpPr>
+      <p:grpSpPr>
+        <a:xfrm>
+          <a:off x="0" y="0"/>
+          <a:ext cx="0" cy="0"/>
+          <a:chOff x="0" y="0"/>
+          <a:chExt cx="0" cy="0"/>
+        </a:xfrm>
+      </p:grpSpPr>
+      <p:sp>
+        <p:nvSpPr>
           <p:cNvPr id="6" name="Title 5">
             <a:extLst>
               <a:ext uri="{FF2B5EF4-FFF2-40B4-BE49-F238E27FC236}">
@@ -38769,7 +39360,7 @@
             <a:fld id="{E08A2EAE-61F0-4E80-AF13-6C345B2B49E7}" type="slidenum">
               <a:rPr lang="en-US" smtClean="0"/>
               <a:pPr/>
-              <a:t>8</a:t>
+              <a:t>9</a:t>
             </a:fld>
             <a:endParaRPr lang="en-US" dirty="0"/>
           </a:p>
@@ -40475,533 +41066,6 @@
 </p:sld>
 </file>
 
-<file path=ppt/slides/slide9.xml><?xml version="1.0" encoding="utf-8"?>
-<p:sld xmlns:a="http://schemas.openxmlformats.org/drawingml/2006/main" xmlns:r="http://schemas.openxmlformats.org/officeDocument/2006/relationships" xmlns:p="http://schemas.openxmlformats.org/presentationml/2006/main">
-  <p:cSld>
-    <p:spTree>
-      <p:nvGrpSpPr>
-        <p:cNvPr id="1" name=""/>
-        <p:cNvGrpSpPr/>
-        <p:nvPr/>
-      </p:nvGrpSpPr>
-      <p:grpSpPr>
-        <a:xfrm>
-          <a:off x="0" y="0"/>
-          <a:ext cx="0" cy="0"/>
-          <a:chOff x="0" y="0"/>
-          <a:chExt cx="0" cy="0"/>
-        </a:xfrm>
-      </p:grpSpPr>
-      <p:sp>
-        <p:nvSpPr>
-          <p:cNvPr id="6" name="Title 5">
-            <a:extLst>
-              <a:ext uri="{FF2B5EF4-FFF2-40B4-BE49-F238E27FC236}">
-                <a16:creationId xmlns:a16="http://schemas.microsoft.com/office/drawing/2014/main" id="{5755AC4B-948D-4B0C-B471-BAB6BD868D1D}"/>
-              </a:ext>
-            </a:extLst>
-          </p:cNvPr>
-          <p:cNvSpPr>
-            <a:spLocks noGrp="1"/>
-          </p:cNvSpPr>
-          <p:nvPr>
-            <p:ph type="title"/>
-          </p:nvPr>
-        </p:nvSpPr>
-        <p:spPr>
-          <a:xfrm>
-            <a:off x="243840" y="109536"/>
-            <a:ext cx="11704320" cy="641352"/>
-          </a:xfrm>
-        </p:spPr>
-        <p:txBody>
-          <a:bodyPr/>
-          <a:lstStyle/>
-          <a:p>
-            <a:r>
-              <a:rPr lang="en-US" dirty="0"/>
-              <a:t>There are four ways you can make your app feel faster without optimizing</a:t>
-            </a:r>
-          </a:p>
-        </p:txBody>
-      </p:sp>
-      <p:sp>
-        <p:nvSpPr>
-          <p:cNvPr id="4" name="Slide Number Placeholder 3">
-            <a:extLst>
-              <a:ext uri="{FF2B5EF4-FFF2-40B4-BE49-F238E27FC236}">
-                <a16:creationId xmlns:a16="http://schemas.microsoft.com/office/drawing/2014/main" id="{49570F6D-8279-44D1-A8E2-1B58441A65AF}"/>
-              </a:ext>
-            </a:extLst>
-          </p:cNvPr>
-          <p:cNvSpPr>
-            <a:spLocks noGrp="1"/>
-          </p:cNvSpPr>
-          <p:nvPr>
-            <p:ph type="sldNum" sz="quarter" idx="19"/>
-          </p:nvPr>
-        </p:nvSpPr>
-        <p:spPr/>
-        <p:txBody>
-          <a:bodyPr/>
-          <a:lstStyle/>
-          <a:p>
-            <a:fld id="{E08A2EAE-61F0-4E80-AF13-6C345B2B49E7}" type="slidenum">
-              <a:rPr lang="en-US" smtClean="0"/>
-              <a:pPr/>
-              <a:t>9</a:t>
-            </a:fld>
-            <a:endParaRPr lang="en-US" dirty="0"/>
-          </a:p>
-        </p:txBody>
-      </p:sp>
-      <p:sp>
-        <p:nvSpPr>
-          <p:cNvPr id="3" name="Text Placeholder 2">
-            <a:extLst>
-              <a:ext uri="{FF2B5EF4-FFF2-40B4-BE49-F238E27FC236}">
-                <a16:creationId xmlns:a16="http://schemas.microsoft.com/office/drawing/2014/main" id="{1C1C79B4-D83C-41F3-8837-0118F33BE03C}"/>
-              </a:ext>
-            </a:extLst>
-          </p:cNvPr>
-          <p:cNvSpPr>
-            <a:spLocks noGrp="1"/>
-          </p:cNvSpPr>
-          <p:nvPr>
-            <p:ph type="body" sz="quarter" idx="20"/>
-          </p:nvPr>
-        </p:nvSpPr>
-        <p:spPr/>
-        <p:txBody>
-          <a:bodyPr/>
-          <a:lstStyle/>
-          <a:p>
-            <a:endParaRPr lang="en-US" dirty="0"/>
-          </a:p>
-        </p:txBody>
-      </p:sp>
-      <p:sp>
-        <p:nvSpPr>
-          <p:cNvPr id="2" name="Text Placeholder 1">
-            <a:extLst>
-              <a:ext uri="{FF2B5EF4-FFF2-40B4-BE49-F238E27FC236}">
-                <a16:creationId xmlns:a16="http://schemas.microsoft.com/office/drawing/2014/main" id="{C1E78DB8-E7CA-488D-9764-0CAE03E3FE48}"/>
-              </a:ext>
-            </a:extLst>
-          </p:cNvPr>
-          <p:cNvSpPr>
-            <a:spLocks noGrp="1"/>
-          </p:cNvSpPr>
-          <p:nvPr>
-            <p:ph type="body" sz="quarter" idx="16"/>
-          </p:nvPr>
-        </p:nvSpPr>
-        <p:spPr>
-          <a:xfrm>
-            <a:off x="1524000" y="6168173"/>
-            <a:ext cx="9144000" cy="432792"/>
-          </a:xfrm>
-        </p:spPr>
-        <p:txBody>
-          <a:bodyPr/>
-          <a:lstStyle/>
-          <a:p>
-            <a:r>
-              <a:rPr lang="en-US" dirty="0"/>
-              <a:t>Remember “</a:t>
-            </a:r>
-            <a:r>
-              <a:rPr lang="en-US" u="sng" dirty="0"/>
-              <a:t>PURP</a:t>
-            </a:r>
-            <a:r>
-              <a:rPr lang="en-US" b="0" dirty="0"/>
-              <a:t>LE</a:t>
-            </a:r>
-            <a:r>
-              <a:rPr lang="en-US" dirty="0"/>
-              <a:t>”</a:t>
-            </a:r>
-          </a:p>
-        </p:txBody>
-      </p:sp>
-      <p:sp>
-        <p:nvSpPr>
-          <p:cNvPr id="5" name="Rectangle 4">
-            <a:extLst>
-              <a:ext uri="{FF2B5EF4-FFF2-40B4-BE49-F238E27FC236}">
-                <a16:creationId xmlns:a16="http://schemas.microsoft.com/office/drawing/2014/main" id="{A14E968A-9907-452F-B626-8DEA3219A419}"/>
-              </a:ext>
-            </a:extLst>
-          </p:cNvPr>
-          <p:cNvSpPr/>
-          <p:nvPr/>
-        </p:nvSpPr>
-        <p:spPr>
-          <a:xfrm>
-            <a:off x="243840" y="1143000"/>
-            <a:ext cx="3657600" cy="685800"/>
-          </a:xfrm>
-          <a:prstGeom prst="rect">
-            <a:avLst/>
-          </a:prstGeom>
-          <a:solidFill>
-            <a:schemeClr val="accent4"/>
-          </a:solidFill>
-        </p:spPr>
-        <p:style>
-          <a:lnRef idx="3">
-            <a:schemeClr val="lt1"/>
-          </a:lnRef>
-          <a:fillRef idx="1">
-            <a:schemeClr val="accent1"/>
-          </a:fillRef>
-          <a:effectRef idx="1">
-            <a:schemeClr val="accent1"/>
-          </a:effectRef>
-          <a:fontRef idx="minor">
-            <a:schemeClr val="lt1"/>
-          </a:fontRef>
-        </p:style>
-        <p:txBody>
-          <a:bodyPr rtlCol="0" anchor="ctr"/>
-          <a:lstStyle/>
-          <a:p>
-            <a:r>
-              <a:rPr lang="en-US" sz="2800" b="1" dirty="0"/>
-              <a:t>P</a:t>
-            </a:r>
-            <a:r>
-              <a:rPr lang="en-US" sz="2800" dirty="0"/>
-              <a:t>rioritize</a:t>
-            </a:r>
-          </a:p>
-        </p:txBody>
-      </p:sp>
-      <p:sp>
-        <p:nvSpPr>
-          <p:cNvPr id="8" name="TextBox 7">
-            <a:extLst>
-              <a:ext uri="{FF2B5EF4-FFF2-40B4-BE49-F238E27FC236}">
-                <a16:creationId xmlns:a16="http://schemas.microsoft.com/office/drawing/2014/main" id="{04D0623C-9950-475A-96DB-659AE8CB554B}"/>
-              </a:ext>
-            </a:extLst>
-          </p:cNvPr>
-          <p:cNvSpPr txBox="1"/>
-          <p:nvPr/>
-        </p:nvSpPr>
-        <p:spPr>
-          <a:xfrm>
-            <a:off x="243840" y="1807466"/>
-            <a:ext cx="3657600" cy="369332"/>
-          </a:xfrm>
-          <a:prstGeom prst="rect">
-            <a:avLst/>
-          </a:prstGeom>
-          <a:noFill/>
-        </p:spPr>
-        <p:txBody>
-          <a:bodyPr wrap="square">
-            <a:spAutoFit/>
-          </a:bodyPr>
-          <a:lstStyle/>
-          <a:p>
-            <a:r>
-              <a:rPr lang="en-US" dirty="0"/>
-              <a:t>Show most important things first</a:t>
-            </a:r>
-          </a:p>
-        </p:txBody>
-      </p:sp>
-      <p:sp>
-        <p:nvSpPr>
-          <p:cNvPr id="9" name="Rectangle 8">
-            <a:extLst>
-              <a:ext uri="{FF2B5EF4-FFF2-40B4-BE49-F238E27FC236}">
-                <a16:creationId xmlns:a16="http://schemas.microsoft.com/office/drawing/2014/main" id="{2D87941B-8D18-4AA9-9E35-D821770B1498}"/>
-              </a:ext>
-            </a:extLst>
-          </p:cNvPr>
-          <p:cNvSpPr/>
-          <p:nvPr/>
-        </p:nvSpPr>
-        <p:spPr>
-          <a:xfrm>
-            <a:off x="243840" y="2381187"/>
-            <a:ext cx="3657600" cy="685800"/>
-          </a:xfrm>
-          <a:prstGeom prst="rect">
-            <a:avLst/>
-          </a:prstGeom>
-          <a:solidFill>
-            <a:schemeClr val="accent4"/>
-          </a:solidFill>
-        </p:spPr>
-        <p:style>
-          <a:lnRef idx="3">
-            <a:schemeClr val="lt1"/>
-          </a:lnRef>
-          <a:fillRef idx="1">
-            <a:schemeClr val="accent1"/>
-          </a:fillRef>
-          <a:effectRef idx="1">
-            <a:schemeClr val="accent1"/>
-          </a:effectRef>
-          <a:fontRef idx="minor">
-            <a:schemeClr val="lt1"/>
-          </a:fontRef>
-        </p:style>
-        <p:txBody>
-          <a:bodyPr rtlCol="0" anchor="ctr"/>
-          <a:lstStyle/>
-          <a:p>
-            <a:r>
-              <a:rPr lang="en-US" sz="2800" b="1" dirty="0"/>
-              <a:t>U</a:t>
-            </a:r>
-            <a:r>
-              <a:rPr lang="en-US" sz="2800" dirty="0"/>
-              <a:t>pdate users</a:t>
-            </a:r>
-          </a:p>
-        </p:txBody>
-      </p:sp>
-      <p:sp>
-        <p:nvSpPr>
-          <p:cNvPr id="10" name="TextBox 9">
-            <a:extLst>
-              <a:ext uri="{FF2B5EF4-FFF2-40B4-BE49-F238E27FC236}">
-                <a16:creationId xmlns:a16="http://schemas.microsoft.com/office/drawing/2014/main" id="{7015E785-D9B1-45CF-BE0B-D52E057555C4}"/>
-              </a:ext>
-            </a:extLst>
-          </p:cNvPr>
-          <p:cNvSpPr txBox="1"/>
-          <p:nvPr/>
-        </p:nvSpPr>
-        <p:spPr>
-          <a:xfrm>
-            <a:off x="243840" y="3036071"/>
-            <a:ext cx="3657600" cy="369332"/>
-          </a:xfrm>
-          <a:prstGeom prst="rect">
-            <a:avLst/>
-          </a:prstGeom>
-          <a:noFill/>
-        </p:spPr>
-        <p:txBody>
-          <a:bodyPr wrap="square">
-            <a:spAutoFit/>
-          </a:bodyPr>
-          <a:lstStyle/>
-          <a:p>
-            <a:r>
-              <a:rPr lang="en-US" dirty="0"/>
-              <a:t>Show progress</a:t>
-            </a:r>
-          </a:p>
-        </p:txBody>
-      </p:sp>
-      <p:sp>
-        <p:nvSpPr>
-          <p:cNvPr id="12" name="Rectangle 11">
-            <a:extLst>
-              <a:ext uri="{FF2B5EF4-FFF2-40B4-BE49-F238E27FC236}">
-                <a16:creationId xmlns:a16="http://schemas.microsoft.com/office/drawing/2014/main" id="{6DA3C799-7CAA-4D9F-B5A5-42D50E440267}"/>
-              </a:ext>
-            </a:extLst>
-          </p:cNvPr>
-          <p:cNvSpPr/>
-          <p:nvPr/>
-        </p:nvSpPr>
-        <p:spPr>
-          <a:xfrm>
-            <a:off x="243840" y="3609792"/>
-            <a:ext cx="3657600" cy="685800"/>
-          </a:xfrm>
-          <a:prstGeom prst="rect">
-            <a:avLst/>
-          </a:prstGeom>
-          <a:solidFill>
-            <a:schemeClr val="accent4"/>
-          </a:solidFill>
-        </p:spPr>
-        <p:style>
-          <a:lnRef idx="3">
-            <a:schemeClr val="lt1"/>
-          </a:lnRef>
-          <a:fillRef idx="1">
-            <a:schemeClr val="accent1"/>
-          </a:fillRef>
-          <a:effectRef idx="1">
-            <a:schemeClr val="accent1"/>
-          </a:effectRef>
-          <a:fontRef idx="minor">
-            <a:schemeClr val="lt1"/>
-          </a:fontRef>
-        </p:style>
-        <p:txBody>
-          <a:bodyPr rtlCol="0" anchor="ctr"/>
-          <a:lstStyle/>
-          <a:p>
-            <a:r>
-              <a:rPr lang="en-US" sz="2800" b="1" dirty="0"/>
-              <a:t>R</a:t>
-            </a:r>
-            <a:r>
-              <a:rPr lang="en-US" sz="2800" dirty="0"/>
-              <a:t>ecover from errors</a:t>
-            </a:r>
-          </a:p>
-        </p:txBody>
-      </p:sp>
-      <p:sp>
-        <p:nvSpPr>
-          <p:cNvPr id="13" name="TextBox 12">
-            <a:extLst>
-              <a:ext uri="{FF2B5EF4-FFF2-40B4-BE49-F238E27FC236}">
-                <a16:creationId xmlns:a16="http://schemas.microsoft.com/office/drawing/2014/main" id="{1A6E0028-5550-44AD-9127-9F6B1C34A019}"/>
-              </a:ext>
-            </a:extLst>
-          </p:cNvPr>
-          <p:cNvSpPr txBox="1"/>
-          <p:nvPr/>
-        </p:nvSpPr>
-        <p:spPr>
-          <a:xfrm>
-            <a:off x="243840" y="4267121"/>
-            <a:ext cx="3657600" cy="369332"/>
-          </a:xfrm>
-          <a:prstGeom prst="rect">
-            <a:avLst/>
-          </a:prstGeom>
-          <a:noFill/>
-        </p:spPr>
-        <p:txBody>
-          <a:bodyPr wrap="square">
-            <a:spAutoFit/>
-          </a:bodyPr>
-          <a:lstStyle/>
-          <a:p>
-            <a:r>
-              <a:rPr lang="en-US" dirty="0"/>
-              <a:t>Continue from where they left off</a:t>
-            </a:r>
-          </a:p>
-        </p:txBody>
-      </p:sp>
-      <p:sp>
-        <p:nvSpPr>
-          <p:cNvPr id="16" name="Rectangle 15">
-            <a:extLst>
-              <a:ext uri="{FF2B5EF4-FFF2-40B4-BE49-F238E27FC236}">
-                <a16:creationId xmlns:a16="http://schemas.microsoft.com/office/drawing/2014/main" id="{B9F9503A-5ED8-43F1-AAF5-C88A187C8B7C}"/>
-              </a:ext>
-            </a:extLst>
-          </p:cNvPr>
-          <p:cNvSpPr/>
-          <p:nvPr/>
-        </p:nvSpPr>
-        <p:spPr>
-          <a:xfrm>
-            <a:off x="243840" y="4840843"/>
-            <a:ext cx="3657600" cy="685800"/>
-          </a:xfrm>
-          <a:prstGeom prst="rect">
-            <a:avLst/>
-          </a:prstGeom>
-          <a:solidFill>
-            <a:schemeClr val="accent4"/>
-          </a:solidFill>
-        </p:spPr>
-        <p:style>
-          <a:lnRef idx="3">
-            <a:schemeClr val="lt1"/>
-          </a:lnRef>
-          <a:fillRef idx="1">
-            <a:schemeClr val="accent1"/>
-          </a:fillRef>
-          <a:effectRef idx="1">
-            <a:schemeClr val="accent1"/>
-          </a:effectRef>
-          <a:fontRef idx="minor">
-            <a:schemeClr val="lt1"/>
-          </a:fontRef>
-        </p:style>
-        <p:txBody>
-          <a:bodyPr rtlCol="0" anchor="ctr"/>
-          <a:lstStyle/>
-          <a:p>
-            <a:r>
-              <a:rPr lang="en-US" sz="2800" b="1" dirty="0"/>
-              <a:t>P</a:t>
-            </a:r>
-            <a:r>
-              <a:rPr lang="en-US" sz="2800" dirty="0"/>
-              <a:t>re-compute</a:t>
-            </a:r>
-          </a:p>
-        </p:txBody>
-      </p:sp>
-      <p:sp>
-        <p:nvSpPr>
-          <p:cNvPr id="17" name="TextBox 16">
-            <a:extLst>
-              <a:ext uri="{FF2B5EF4-FFF2-40B4-BE49-F238E27FC236}">
-                <a16:creationId xmlns:a16="http://schemas.microsoft.com/office/drawing/2014/main" id="{1BCB68C5-AD42-4DAF-BD10-36E46643B549}"/>
-              </a:ext>
-            </a:extLst>
-          </p:cNvPr>
-          <p:cNvSpPr txBox="1"/>
-          <p:nvPr/>
-        </p:nvSpPr>
-        <p:spPr>
-          <a:xfrm>
-            <a:off x="243840" y="5526643"/>
-            <a:ext cx="3657600" cy="369332"/>
-          </a:xfrm>
-          <a:prstGeom prst="rect">
-            <a:avLst/>
-          </a:prstGeom>
-          <a:noFill/>
-        </p:spPr>
-        <p:txBody>
-          <a:bodyPr wrap="square">
-            <a:spAutoFit/>
-          </a:bodyPr>
-          <a:lstStyle/>
-          <a:p>
-            <a:r>
-              <a:rPr lang="en-US" dirty="0"/>
-              <a:t>Calculate common things upfront</a:t>
-            </a:r>
-          </a:p>
-        </p:txBody>
-      </p:sp>
-    </p:spTree>
-    <p:extLst>
-      <p:ext uri="{BB962C8B-B14F-4D97-AF65-F5344CB8AC3E}">
-        <p14:creationId xmlns:p14="http://schemas.microsoft.com/office/powerpoint/2010/main" val="3780889381"/>
-      </p:ext>
-    </p:extLst>
-  </p:cSld>
-  <p:clrMapOvr>
-    <a:masterClrMapping/>
-  </p:clrMapOvr>
-  <mc:AlternateContent xmlns:mc="http://schemas.openxmlformats.org/markup-compatibility/2006" xmlns:p159="http://schemas.microsoft.com/office/powerpoint/2015/09/main">
-    <mc:Choice Requires="p159">
-      <p:transition spd="slow">
-        <p159:morph option="byObject"/>
-      </p:transition>
-    </mc:Choice>
-    <mc:Fallback xmlns="">
-      <p:transition spd="slow">
-        <p:fade/>
-      </p:transition>
-    </mc:Fallback>
-  </mc:AlternateContent>
-</p:sld>
-</file>
-
 <file path=ppt/theme/theme1.xml><?xml version="1.0" encoding="utf-8"?>
 <a:theme xmlns:a="http://schemas.openxmlformats.org/drawingml/2006/main" name="Gramener">
   <a:themeElements>
